--- a/class_3_2/class_3_2.pptx
+++ b/class_3_2/class_3_2.pptx
@@ -5,10 +5,25 @@
     <p:sldMasterId id="2147483648" r:id="rId1"/>
   </p:sldMasterIdLst>
   <p:notesMasterIdLst>
-    <p:notesMasterId r:id="rId3"/>
+    <p:notesMasterId r:id="rId18"/>
   </p:notesMasterIdLst>
   <p:sldIdLst>
-    <p:sldId id="256" r:id="rId2"/>
+    <p:sldId id="319" r:id="rId2"/>
+    <p:sldId id="256" r:id="rId3"/>
+    <p:sldId id="285" r:id="rId4"/>
+    <p:sldId id="260" r:id="rId5"/>
+    <p:sldId id="286" r:id="rId6"/>
+    <p:sldId id="287" r:id="rId7"/>
+    <p:sldId id="288" r:id="rId8"/>
+    <p:sldId id="270" r:id="rId9"/>
+    <p:sldId id="271" r:id="rId10"/>
+    <p:sldId id="272" r:id="rId11"/>
+    <p:sldId id="273" r:id="rId12"/>
+    <p:sldId id="289" r:id="rId13"/>
+    <p:sldId id="321" r:id="rId14"/>
+    <p:sldId id="290" r:id="rId15"/>
+    <p:sldId id="291" r:id="rId16"/>
+    <p:sldId id="293" r:id="rId17"/>
   </p:sldIdLst>
   <p:sldSz cx="12192000" cy="6858000"/>
   <p:notesSz cx="6858000" cy="9144000"/>
@@ -197,7 +212,7 @@
           <a:p>
             <a:fld id="{8E5940E0-E864-DF4A-BD26-2C2246AC4E05}" type="datetimeFigureOut">
               <a:rPr lang="en-US" smtClean="0"/>
-              <a:t>6/3/20</a:t>
+              <a:t>6/14/20</a:t>
             </a:fld>
             <a:endParaRPr lang="en-US"/>
           </a:p>
@@ -529,7 +544,7 @@
           <a:p>
             <a:fld id="{F91D480C-B22B-9744-AC27-082F71E496D4}" type="slidenum">
               <a:rPr lang="en-US" smtClean="0"/>
-              <a:t>1</a:t>
+              <a:t>2</a:t>
             </a:fld>
             <a:endParaRPr lang="en-US"/>
           </a:p>
@@ -695,7 +710,7 @@
           <a:p>
             <a:fld id="{B4805629-43F6-3C4F-A3A1-18FEAB524198}" type="datetimeFigureOut">
               <a:rPr lang="en-US" smtClean="0"/>
-              <a:t>6/3/20</a:t>
+              <a:t>6/14/20</a:t>
             </a:fld>
             <a:endParaRPr lang="en-US"/>
           </a:p>
@@ -893,7 +908,7 @@
           <a:p>
             <a:fld id="{B4805629-43F6-3C4F-A3A1-18FEAB524198}" type="datetimeFigureOut">
               <a:rPr lang="en-US" smtClean="0"/>
-              <a:t>6/3/20</a:t>
+              <a:t>6/14/20</a:t>
             </a:fld>
             <a:endParaRPr lang="en-US"/>
           </a:p>
@@ -1101,7 +1116,7 @@
           <a:p>
             <a:fld id="{B4805629-43F6-3C4F-A3A1-18FEAB524198}" type="datetimeFigureOut">
               <a:rPr lang="en-US" smtClean="0"/>
-              <a:t>6/3/20</a:t>
+              <a:t>6/14/20</a:t>
             </a:fld>
             <a:endParaRPr lang="en-US"/>
           </a:p>
@@ -1299,7 +1314,7 @@
           <a:p>
             <a:fld id="{B4805629-43F6-3C4F-A3A1-18FEAB524198}" type="datetimeFigureOut">
               <a:rPr lang="en-US" smtClean="0"/>
-              <a:t>6/3/20</a:t>
+              <a:t>6/14/20</a:t>
             </a:fld>
             <a:endParaRPr lang="en-US"/>
           </a:p>
@@ -1574,7 +1589,7 @@
           <a:p>
             <a:fld id="{B4805629-43F6-3C4F-A3A1-18FEAB524198}" type="datetimeFigureOut">
               <a:rPr lang="en-US" smtClean="0"/>
-              <a:t>6/3/20</a:t>
+              <a:t>6/14/20</a:t>
             </a:fld>
             <a:endParaRPr lang="en-US"/>
           </a:p>
@@ -1839,7 +1854,7 @@
           <a:p>
             <a:fld id="{B4805629-43F6-3C4F-A3A1-18FEAB524198}" type="datetimeFigureOut">
               <a:rPr lang="en-US" smtClean="0"/>
-              <a:t>6/3/20</a:t>
+              <a:t>6/14/20</a:t>
             </a:fld>
             <a:endParaRPr lang="en-US"/>
           </a:p>
@@ -2251,7 +2266,7 @@
           <a:p>
             <a:fld id="{B4805629-43F6-3C4F-A3A1-18FEAB524198}" type="datetimeFigureOut">
               <a:rPr lang="en-US" smtClean="0"/>
-              <a:t>6/3/20</a:t>
+              <a:t>6/14/20</a:t>
             </a:fld>
             <a:endParaRPr lang="en-US"/>
           </a:p>
@@ -2392,7 +2407,7 @@
           <a:p>
             <a:fld id="{B4805629-43F6-3C4F-A3A1-18FEAB524198}" type="datetimeFigureOut">
               <a:rPr lang="en-US" smtClean="0"/>
-              <a:t>6/3/20</a:t>
+              <a:t>6/14/20</a:t>
             </a:fld>
             <a:endParaRPr lang="en-US"/>
           </a:p>
@@ -2505,7 +2520,7 @@
           <a:p>
             <a:fld id="{B4805629-43F6-3C4F-A3A1-18FEAB524198}" type="datetimeFigureOut">
               <a:rPr lang="en-US" smtClean="0"/>
-              <a:t>6/3/20</a:t>
+              <a:t>6/14/20</a:t>
             </a:fld>
             <a:endParaRPr lang="en-US"/>
           </a:p>
@@ -2816,7 +2831,7 @@
           <a:p>
             <a:fld id="{B4805629-43F6-3C4F-A3A1-18FEAB524198}" type="datetimeFigureOut">
               <a:rPr lang="en-US" smtClean="0"/>
-              <a:t>6/3/20</a:t>
+              <a:t>6/14/20</a:t>
             </a:fld>
             <a:endParaRPr lang="en-US"/>
           </a:p>
@@ -3104,7 +3119,7 @@
           <a:p>
             <a:fld id="{B4805629-43F6-3C4F-A3A1-18FEAB524198}" type="datetimeFigureOut">
               <a:rPr lang="en-US" smtClean="0"/>
-              <a:t>6/3/20</a:t>
+              <a:t>6/14/20</a:t>
             </a:fld>
             <a:endParaRPr lang="en-US"/>
           </a:p>
@@ -3345,7 +3360,7 @@
           <a:p>
             <a:fld id="{B4805629-43F6-3C4F-A3A1-18FEAB524198}" type="datetimeFigureOut">
               <a:rPr lang="en-US" smtClean="0"/>
-              <a:t>6/3/20</a:t>
+              <a:t>6/14/20</a:t>
             </a:fld>
             <a:endParaRPr lang="en-US"/>
           </a:p>
@@ -3767,43 +3782,661 @@
           <p:cNvPr id="2" name="Title 1">
             <a:extLst>
               <a:ext uri="{FF2B5EF4-FFF2-40B4-BE49-F238E27FC236}">
-                <a16:creationId xmlns:a16="http://schemas.microsoft.com/office/drawing/2014/main" id="{D84FD462-78F6-1744-88DC-90F986F10A2F}"/>
-              </a:ext>
-            </a:extLst>
-          </p:cNvPr>
-          <p:cNvSpPr>
-            <a:spLocks noGrp="1"/>
-          </p:cNvSpPr>
-          <p:nvPr>
-            <p:ph type="ctrTitle"/>
-          </p:nvPr>
-        </p:nvSpPr>
-        <p:spPr/>
+                <a16:creationId xmlns:a16="http://schemas.microsoft.com/office/drawing/2014/main" id="{CBCC2D99-A2BA-C743-9C28-3F8F66D71203}"/>
+              </a:ext>
+            </a:extLst>
+          </p:cNvPr>
+          <p:cNvSpPr>
+            <a:spLocks noGrp="1"/>
+          </p:cNvSpPr>
+          <p:nvPr>
+            <p:ph type="title"/>
+          </p:nvPr>
+        </p:nvSpPr>
+        <p:spPr>
+          <a:xfrm>
+            <a:off x="2383221" y="2103437"/>
+            <a:ext cx="10515600" cy="1325563"/>
+          </a:xfrm>
+        </p:spPr>
         <p:txBody>
           <a:bodyPr/>
           <a:lstStyle/>
           <a:p>
             <a:r>
               <a:rPr lang="en-US" dirty="0"/>
-              <a:t>#3.2</a:t>
-            </a:r>
-          </a:p>
-        </p:txBody>
-      </p:sp>
-      <p:sp>
-        <p:nvSpPr>
-          <p:cNvPr id="3" name="Subtitle 2">
-            <a:extLst>
-              <a:ext uri="{FF2B5EF4-FFF2-40B4-BE49-F238E27FC236}">
-                <a16:creationId xmlns:a16="http://schemas.microsoft.com/office/drawing/2014/main" id="{C5B9582C-40E6-9F40-82E3-C38CD19A441E}"/>
-              </a:ext>
-            </a:extLst>
-          </p:cNvPr>
-          <p:cNvSpPr>
-            <a:spLocks noGrp="1"/>
-          </p:cNvSpPr>
-          <p:nvPr>
-            <p:ph type="subTitle" idx="1"/>
+              <a:t>Access the slides and files here: </a:t>
+            </a:r>
+            <a:br>
+              <a:rPr lang="en-US" dirty="0"/>
+            </a:br>
+            <a:r>
+              <a:rPr lang="en-US" dirty="0"/>
+              <a:t>	</a:t>
+            </a:r>
+          </a:p>
+        </p:txBody>
+      </p:sp>
+      <p:sp>
+        <p:nvSpPr>
+          <p:cNvPr id="4" name="Rectangle 3">
+            <a:extLst>
+              <a:ext uri="{FF2B5EF4-FFF2-40B4-BE49-F238E27FC236}">
+                <a16:creationId xmlns:a16="http://schemas.microsoft.com/office/drawing/2014/main" id="{6B53121B-F976-974C-8963-03F6AF4F9F81}"/>
+              </a:ext>
+            </a:extLst>
+          </p:cNvPr>
+          <p:cNvSpPr/>
+          <p:nvPr/>
+        </p:nvSpPr>
+        <p:spPr>
+          <a:xfrm>
+            <a:off x="1316390" y="3038855"/>
+            <a:ext cx="8961749" cy="584775"/>
+          </a:xfrm>
+          <a:prstGeom prst="rect">
+            <a:avLst/>
+          </a:prstGeom>
+        </p:spPr>
+        <p:txBody>
+          <a:bodyPr wrap="none">
+            <a:spAutoFit/>
+          </a:bodyPr>
+          <a:lstStyle/>
+          <a:p>
+            <a:r>
+              <a:rPr lang="en-US" sz="3200" dirty="0">
+                <a:hlinkClick r:id="rId2"/>
+              </a:rPr>
+              <a:t>https://github.com/j-berg/bioinformatics_bootcamp</a:t>
+            </a:r>
+            <a:endParaRPr lang="en-US" sz="3200" dirty="0"/>
+          </a:p>
+        </p:txBody>
+      </p:sp>
+    </p:spTree>
+    <p:extLst>
+      <p:ext uri="{BB962C8B-B14F-4D97-AF65-F5344CB8AC3E}">
+        <p14:creationId xmlns:p14="http://schemas.microsoft.com/office/powerpoint/2010/main" val="347622248"/>
+      </p:ext>
+    </p:extLst>
+  </p:cSld>
+  <p:clrMapOvr>
+    <a:masterClrMapping/>
+  </p:clrMapOvr>
+</p:sld>
+</file>
+
+<file path=ppt/slides/slide10.xml><?xml version="1.0" encoding="utf-8"?>
+<p:sld xmlns:a="http://schemas.openxmlformats.org/drawingml/2006/main" xmlns:r="http://schemas.openxmlformats.org/officeDocument/2006/relationships" xmlns:p="http://schemas.openxmlformats.org/presentationml/2006/main">
+  <p:cSld>
+    <p:spTree>
+      <p:nvGrpSpPr>
+        <p:cNvPr id="1" name=""/>
+        <p:cNvGrpSpPr/>
+        <p:nvPr/>
+      </p:nvGrpSpPr>
+      <p:grpSpPr>
+        <a:xfrm>
+          <a:off x="0" y="0"/>
+          <a:ext cx="0" cy="0"/>
+          <a:chOff x="0" y="0"/>
+          <a:chExt cx="0" cy="0"/>
+        </a:xfrm>
+      </p:grpSpPr>
+      <p:sp>
+        <p:nvSpPr>
+          <p:cNvPr id="2" name="Title 1">
+            <a:extLst>
+              <a:ext uri="{FF2B5EF4-FFF2-40B4-BE49-F238E27FC236}">
+                <a16:creationId xmlns:a16="http://schemas.microsoft.com/office/drawing/2014/main" id="{E12ACA21-0513-2D4E-A1D2-3ADBD0CE4A44}"/>
+              </a:ext>
+            </a:extLst>
+          </p:cNvPr>
+          <p:cNvSpPr>
+            <a:spLocks noGrp="1"/>
+          </p:cNvSpPr>
+          <p:nvPr>
+            <p:ph type="title"/>
+          </p:nvPr>
+        </p:nvSpPr>
+        <p:spPr/>
+        <p:txBody>
+          <a:bodyPr/>
+          <a:lstStyle/>
+          <a:p>
+            <a:r>
+              <a:rPr lang="en-US" dirty="0"/>
+              <a:t>While loops</a:t>
+            </a:r>
+          </a:p>
+        </p:txBody>
+      </p:sp>
+      <p:sp>
+        <p:nvSpPr>
+          <p:cNvPr id="3" name="Content Placeholder 2">
+            <a:extLst>
+              <a:ext uri="{FF2B5EF4-FFF2-40B4-BE49-F238E27FC236}">
+                <a16:creationId xmlns:a16="http://schemas.microsoft.com/office/drawing/2014/main" id="{708B1C8A-2B25-6A45-A832-8FA5035BEC87}"/>
+              </a:ext>
+            </a:extLst>
+          </p:cNvPr>
+          <p:cNvSpPr>
+            <a:spLocks noGrp="1"/>
+          </p:cNvSpPr>
+          <p:nvPr>
+            <p:ph idx="1"/>
+          </p:nvPr>
+        </p:nvSpPr>
+        <p:spPr/>
+        <p:txBody>
+          <a:bodyPr>
+            <a:normAutofit fontScale="92500"/>
+          </a:bodyPr>
+          <a:lstStyle/>
+          <a:p>
+            <a:r>
+              <a:rPr lang="en-US" dirty="0"/>
+              <a:t>What if we don’t know how many iterations we want to run?</a:t>
+            </a:r>
+          </a:p>
+          <a:p>
+            <a:pPr marL="0" indent="0">
+              <a:buNone/>
+            </a:pPr>
+            <a:r>
+              <a:rPr lang="en-US" dirty="0">
+                <a:latin typeface="Consolas" panose="020B0609020204030204" pitchFamily="49" charset="0"/>
+                <a:cs typeface="Consolas" panose="020B0609020204030204" pitchFamily="49" charset="0"/>
+              </a:rPr>
+              <a:t>&gt;&gt;&gt; y = 0      # We initialize the counting variable here</a:t>
+            </a:r>
+          </a:p>
+          <a:p>
+            <a:pPr marL="0" indent="0">
+              <a:buNone/>
+            </a:pPr>
+            <a:r>
+              <a:rPr lang="en-US" dirty="0">
+                <a:latin typeface="Consolas" panose="020B0609020204030204" pitchFamily="49" charset="0"/>
+                <a:cs typeface="Consolas" panose="020B0609020204030204" pitchFamily="49" charset="0"/>
+              </a:rPr>
+              <a:t>&gt;&gt;&gt; while y &lt; 10:</a:t>
+            </a:r>
+          </a:p>
+          <a:p>
+            <a:pPr marL="0" indent="0">
+              <a:buNone/>
+            </a:pPr>
+            <a:r>
+              <a:rPr lang="en-US" dirty="0">
+                <a:latin typeface="Consolas" panose="020B0609020204030204" pitchFamily="49" charset="0"/>
+                <a:cs typeface="Consolas" panose="020B0609020204030204" pitchFamily="49" charset="0"/>
+              </a:rPr>
+              <a:t>	print(“Hello”)</a:t>
+            </a:r>
+          </a:p>
+          <a:p>
+            <a:pPr marL="0" indent="0">
+              <a:buNone/>
+            </a:pPr>
+            <a:r>
+              <a:rPr lang="en-US" dirty="0">
+                <a:latin typeface="Consolas" panose="020B0609020204030204" pitchFamily="49" charset="0"/>
+                <a:cs typeface="Consolas" panose="020B0609020204030204" pitchFamily="49" charset="0"/>
+              </a:rPr>
+              <a:t>	y += 1    # or y = y + 1</a:t>
+            </a:r>
+          </a:p>
+          <a:p>
+            <a:pPr marL="0" indent="0">
+              <a:buNone/>
+            </a:pPr>
+            <a:r>
+              <a:rPr lang="en-US" dirty="0">
+                <a:latin typeface="Consolas" panose="020B0609020204030204" pitchFamily="49" charset="0"/>
+                <a:cs typeface="Consolas" panose="020B0609020204030204" pitchFamily="49" charset="0"/>
+              </a:rPr>
+              <a:t>&gt;&gt;&gt; print(”Goodbye”)</a:t>
+            </a:r>
+          </a:p>
+          <a:p>
+            <a:pPr marL="0" indent="0">
+              <a:buNone/>
+            </a:pPr>
+            <a:endParaRPr lang="en-US" dirty="0"/>
+          </a:p>
+          <a:p>
+            <a:r>
+              <a:rPr lang="en-US" dirty="0"/>
+              <a:t>However, this is flexible, if we changed the iterator to only add 0.5, would run 2x loops</a:t>
+            </a:r>
+          </a:p>
+        </p:txBody>
+      </p:sp>
+    </p:spTree>
+    <p:extLst>
+      <p:ext uri="{BB962C8B-B14F-4D97-AF65-F5344CB8AC3E}">
+        <p14:creationId xmlns:p14="http://schemas.microsoft.com/office/powerpoint/2010/main" val="3686142686"/>
+      </p:ext>
+    </p:extLst>
+  </p:cSld>
+  <p:clrMapOvr>
+    <a:masterClrMapping/>
+  </p:clrMapOvr>
+</p:sld>
+</file>
+
+<file path=ppt/slides/slide11.xml><?xml version="1.0" encoding="utf-8"?>
+<p:sld xmlns:a="http://schemas.openxmlformats.org/drawingml/2006/main" xmlns:r="http://schemas.openxmlformats.org/officeDocument/2006/relationships" xmlns:p="http://schemas.openxmlformats.org/presentationml/2006/main">
+  <p:cSld>
+    <p:spTree>
+      <p:nvGrpSpPr>
+        <p:cNvPr id="1" name=""/>
+        <p:cNvGrpSpPr/>
+        <p:nvPr/>
+      </p:nvGrpSpPr>
+      <p:grpSpPr>
+        <a:xfrm>
+          <a:off x="0" y="0"/>
+          <a:ext cx="0" cy="0"/>
+          <a:chOff x="0" y="0"/>
+          <a:chExt cx="0" cy="0"/>
+        </a:xfrm>
+      </p:grpSpPr>
+      <p:sp>
+        <p:nvSpPr>
+          <p:cNvPr id="2" name="Title 1">
+            <a:extLst>
+              <a:ext uri="{FF2B5EF4-FFF2-40B4-BE49-F238E27FC236}">
+                <a16:creationId xmlns:a16="http://schemas.microsoft.com/office/drawing/2014/main" id="{6896D5B6-A81B-0A49-A2B3-AC50C9064784}"/>
+              </a:ext>
+            </a:extLst>
+          </p:cNvPr>
+          <p:cNvSpPr>
+            <a:spLocks noGrp="1"/>
+          </p:cNvSpPr>
+          <p:nvPr>
+            <p:ph type="title"/>
+          </p:nvPr>
+        </p:nvSpPr>
+        <p:spPr/>
+        <p:txBody>
+          <a:bodyPr/>
+          <a:lstStyle/>
+          <a:p>
+            <a:r>
+              <a:rPr lang="en-US" dirty="0"/>
+              <a:t>Functions</a:t>
+            </a:r>
+          </a:p>
+        </p:txBody>
+      </p:sp>
+      <p:sp>
+        <p:nvSpPr>
+          <p:cNvPr id="3" name="Content Placeholder 2">
+            <a:extLst>
+              <a:ext uri="{FF2B5EF4-FFF2-40B4-BE49-F238E27FC236}">
+                <a16:creationId xmlns:a16="http://schemas.microsoft.com/office/drawing/2014/main" id="{078F52B7-0B25-D941-B89F-6AA0C260C1EC}"/>
+              </a:ext>
+            </a:extLst>
+          </p:cNvPr>
+          <p:cNvSpPr>
+            <a:spLocks noGrp="1"/>
+          </p:cNvSpPr>
+          <p:nvPr>
+            <p:ph idx="1"/>
+          </p:nvPr>
+        </p:nvSpPr>
+        <p:spPr/>
+        <p:txBody>
+          <a:bodyPr/>
+          <a:lstStyle/>
+          <a:p>
+            <a:r>
+              <a:rPr lang="en-US" dirty="0"/>
+              <a:t>Helpful for packaging commonly used tasks</a:t>
+            </a:r>
+          </a:p>
+          <a:p>
+            <a:r>
+              <a:rPr lang="en-US" dirty="0"/>
+              <a:t>Components:</a:t>
+            </a:r>
+          </a:p>
+          <a:p>
+            <a:pPr lvl="1"/>
+            <a:r>
+              <a:rPr lang="en-US" dirty="0"/>
+              <a:t>Function name </a:t>
+            </a:r>
+          </a:p>
+          <a:p>
+            <a:pPr lvl="1"/>
+            <a:r>
+              <a:rPr lang="en-US" dirty="0"/>
+              <a:t>Input variable(s)</a:t>
+            </a:r>
+          </a:p>
+          <a:p>
+            <a:pPr lvl="1"/>
+            <a:r>
+              <a:rPr lang="en-US" dirty="0"/>
+              <a:t>Task </a:t>
+            </a:r>
+          </a:p>
+          <a:p>
+            <a:pPr lvl="1"/>
+            <a:r>
+              <a:rPr lang="en-US" dirty="0"/>
+              <a:t>Output variable(s)</a:t>
+            </a:r>
+          </a:p>
+        </p:txBody>
+      </p:sp>
+    </p:spTree>
+    <p:extLst>
+      <p:ext uri="{BB962C8B-B14F-4D97-AF65-F5344CB8AC3E}">
+        <p14:creationId xmlns:p14="http://schemas.microsoft.com/office/powerpoint/2010/main" val="2745000050"/>
+      </p:ext>
+    </p:extLst>
+  </p:cSld>
+  <p:clrMapOvr>
+    <a:masterClrMapping/>
+  </p:clrMapOvr>
+</p:sld>
+</file>
+
+<file path=ppt/slides/slide12.xml><?xml version="1.0" encoding="utf-8"?>
+<p:sld xmlns:a="http://schemas.openxmlformats.org/drawingml/2006/main" xmlns:r="http://schemas.openxmlformats.org/officeDocument/2006/relationships" xmlns:p="http://schemas.openxmlformats.org/presentationml/2006/main">
+  <p:cSld>
+    <p:spTree>
+      <p:nvGrpSpPr>
+        <p:cNvPr id="1" name=""/>
+        <p:cNvGrpSpPr/>
+        <p:nvPr/>
+      </p:nvGrpSpPr>
+      <p:grpSpPr>
+        <a:xfrm>
+          <a:off x="0" y="0"/>
+          <a:ext cx="0" cy="0"/>
+          <a:chOff x="0" y="0"/>
+          <a:chExt cx="0" cy="0"/>
+        </a:xfrm>
+      </p:grpSpPr>
+      <p:sp>
+        <p:nvSpPr>
+          <p:cNvPr id="2" name="Title 1">
+            <a:extLst>
+              <a:ext uri="{FF2B5EF4-FFF2-40B4-BE49-F238E27FC236}">
+                <a16:creationId xmlns:a16="http://schemas.microsoft.com/office/drawing/2014/main" id="{4E54927E-A2AF-274B-8D4D-F0697D072A8D}"/>
+              </a:ext>
+            </a:extLst>
+          </p:cNvPr>
+          <p:cNvSpPr>
+            <a:spLocks noGrp="1"/>
+          </p:cNvSpPr>
+          <p:nvPr>
+            <p:ph type="title"/>
+          </p:nvPr>
+        </p:nvSpPr>
+        <p:spPr/>
+        <p:txBody>
+          <a:bodyPr/>
+          <a:lstStyle/>
+          <a:p>
+            <a:r>
+              <a:rPr lang="en-US" dirty="0"/>
+              <a:t>Functions</a:t>
+            </a:r>
+          </a:p>
+        </p:txBody>
+      </p:sp>
+      <p:sp>
+        <p:nvSpPr>
+          <p:cNvPr id="3" name="Content Placeholder 2">
+            <a:extLst>
+              <a:ext uri="{FF2B5EF4-FFF2-40B4-BE49-F238E27FC236}">
+                <a16:creationId xmlns:a16="http://schemas.microsoft.com/office/drawing/2014/main" id="{4FE28027-DD9D-C447-92A4-C3D042D3541D}"/>
+              </a:ext>
+            </a:extLst>
+          </p:cNvPr>
+          <p:cNvSpPr>
+            <a:spLocks noGrp="1"/>
+          </p:cNvSpPr>
+          <p:nvPr>
+            <p:ph idx="1"/>
+          </p:nvPr>
+        </p:nvSpPr>
+        <p:spPr/>
+        <p:txBody>
+          <a:bodyPr>
+            <a:normAutofit fontScale="77500" lnSpcReduction="20000"/>
+          </a:bodyPr>
+          <a:lstStyle/>
+          <a:p>
+            <a:pPr marL="0" indent="0">
+              <a:buNone/>
+            </a:pPr>
+            <a:r>
+              <a:rPr lang="en-US" dirty="0">
+                <a:latin typeface="Consolas" panose="020B0609020204030204" pitchFamily="49" charset="0"/>
+                <a:cs typeface="Consolas" panose="020B0609020204030204" pitchFamily="49" charset="0"/>
+              </a:rPr>
+              <a:t>&gt;&gt;&gt; def </a:t>
+            </a:r>
+            <a:r>
+              <a:rPr lang="en-US" dirty="0" err="1">
+                <a:latin typeface="Consolas" panose="020B0609020204030204" pitchFamily="49" charset="0"/>
+                <a:cs typeface="Consolas" panose="020B0609020204030204" pitchFamily="49" charset="0"/>
+              </a:rPr>
+              <a:t>addone</a:t>
+            </a:r>
+            <a:r>
+              <a:rPr lang="en-US" dirty="0">
+                <a:latin typeface="Consolas" panose="020B0609020204030204" pitchFamily="49" charset="0"/>
+                <a:cs typeface="Consolas" panose="020B0609020204030204" pitchFamily="49" charset="0"/>
+              </a:rPr>
+              <a:t>(x):</a:t>
+            </a:r>
+          </a:p>
+          <a:p>
+            <a:pPr marL="0" indent="0">
+              <a:buNone/>
+            </a:pPr>
+            <a:r>
+              <a:rPr lang="en-US" dirty="0">
+                <a:latin typeface="Consolas" panose="020B0609020204030204" pitchFamily="49" charset="0"/>
+                <a:cs typeface="Consolas" panose="020B0609020204030204" pitchFamily="49" charset="0"/>
+              </a:rPr>
+              <a:t>	x = x + 1</a:t>
+            </a:r>
+          </a:p>
+          <a:p>
+            <a:pPr marL="0" indent="0">
+              <a:buNone/>
+            </a:pPr>
+            <a:r>
+              <a:rPr lang="en-US" dirty="0">
+                <a:latin typeface="Consolas" panose="020B0609020204030204" pitchFamily="49" charset="0"/>
+                <a:cs typeface="Consolas" panose="020B0609020204030204" pitchFamily="49" charset="0"/>
+              </a:rPr>
+              <a:t>	return x</a:t>
+            </a:r>
+          </a:p>
+          <a:p>
+            <a:pPr marL="0" indent="0">
+              <a:buNone/>
+            </a:pPr>
+            <a:r>
+              <a:rPr lang="en-US" dirty="0">
+                <a:latin typeface="Consolas" panose="020B0609020204030204" pitchFamily="49" charset="0"/>
+                <a:cs typeface="Consolas" panose="020B0609020204030204" pitchFamily="49" charset="0"/>
+              </a:rPr>
+              <a:t>&gt;&gt;&gt; </a:t>
+            </a:r>
+            <a:r>
+              <a:rPr lang="en-US" dirty="0" err="1">
+                <a:latin typeface="Consolas" panose="020B0609020204030204" pitchFamily="49" charset="0"/>
+                <a:cs typeface="Consolas" panose="020B0609020204030204" pitchFamily="49" charset="0"/>
+              </a:rPr>
+              <a:t>addone</a:t>
+            </a:r>
+            <a:r>
+              <a:rPr lang="en-US" dirty="0">
+                <a:latin typeface="Consolas" panose="020B0609020204030204" pitchFamily="49" charset="0"/>
+                <a:cs typeface="Consolas" panose="020B0609020204030204" pitchFamily="49" charset="0"/>
+              </a:rPr>
+              <a:t>(1)</a:t>
+            </a:r>
+          </a:p>
+          <a:p>
+            <a:pPr marL="0" indent="0">
+              <a:buNone/>
+            </a:pPr>
+            <a:r>
+              <a:rPr lang="en-US" dirty="0">
+                <a:latin typeface="Consolas" panose="020B0609020204030204" pitchFamily="49" charset="0"/>
+                <a:cs typeface="Consolas" panose="020B0609020204030204" pitchFamily="49" charset="0"/>
+              </a:rPr>
+              <a:t>2</a:t>
+            </a:r>
+          </a:p>
+          <a:p>
+            <a:pPr marL="0" indent="0">
+              <a:buNone/>
+            </a:pPr>
+            <a:r>
+              <a:rPr lang="en-US" dirty="0">
+                <a:latin typeface="Consolas" panose="020B0609020204030204" pitchFamily="49" charset="0"/>
+                <a:cs typeface="Consolas" panose="020B0609020204030204" pitchFamily="49" charset="0"/>
+              </a:rPr>
+              <a:t>&gt;&gt;&gt; x</a:t>
+            </a:r>
+          </a:p>
+          <a:p>
+            <a:pPr marL="0" indent="0">
+              <a:buNone/>
+            </a:pPr>
+            <a:r>
+              <a:rPr lang="en-US" dirty="0"/>
+              <a:t>Traceback (most recent call last):</a:t>
+            </a:r>
+          </a:p>
+          <a:p>
+            <a:pPr marL="0" indent="0">
+              <a:buNone/>
+            </a:pPr>
+            <a:r>
+              <a:rPr lang="en-US" dirty="0"/>
+              <a:t>    File "&lt;stdin&gt;", line 1, in &lt;module&gt;</a:t>
+            </a:r>
+          </a:p>
+          <a:p>
+            <a:pPr marL="0" indent="0">
+              <a:buNone/>
+            </a:pPr>
+            <a:r>
+              <a:rPr lang="en-US" dirty="0" err="1"/>
+              <a:t>NameError</a:t>
+            </a:r>
+            <a:r>
+              <a:rPr lang="en-US" dirty="0"/>
+              <a:t>: name 'x' is not define</a:t>
+            </a:r>
+          </a:p>
+          <a:p>
+            <a:pPr marL="0" indent="0">
+              <a:buNone/>
+            </a:pPr>
+            <a:endParaRPr lang="en-US" dirty="0">
+              <a:latin typeface="Consolas" panose="020B0609020204030204" pitchFamily="49" charset="0"/>
+              <a:cs typeface="Consolas" panose="020B0609020204030204" pitchFamily="49" charset="0"/>
+            </a:endParaRPr>
+          </a:p>
+          <a:p>
+            <a:pPr marL="0" indent="0">
+              <a:buNone/>
+            </a:pPr>
+            <a:r>
+              <a:rPr lang="en-US" dirty="0"/>
+              <a:t>Variables set or called in function are only available for that function call, will not set or modify outside variables (usually)</a:t>
+            </a:r>
+          </a:p>
+        </p:txBody>
+      </p:sp>
+    </p:spTree>
+    <p:extLst>
+      <p:ext uri="{BB962C8B-B14F-4D97-AF65-F5344CB8AC3E}">
+        <p14:creationId xmlns:p14="http://schemas.microsoft.com/office/powerpoint/2010/main" val="3980550628"/>
+      </p:ext>
+    </p:extLst>
+  </p:cSld>
+  <p:clrMapOvr>
+    <a:masterClrMapping/>
+  </p:clrMapOvr>
+</p:sld>
+</file>
+
+<file path=ppt/slides/slide13.xml><?xml version="1.0" encoding="utf-8"?>
+<p:sld xmlns:a="http://schemas.openxmlformats.org/drawingml/2006/main" xmlns:r="http://schemas.openxmlformats.org/officeDocument/2006/relationships" xmlns:p="http://schemas.openxmlformats.org/presentationml/2006/main">
+  <p:cSld>
+    <p:spTree>
+      <p:nvGrpSpPr>
+        <p:cNvPr id="1" name=""/>
+        <p:cNvGrpSpPr/>
+        <p:nvPr/>
+      </p:nvGrpSpPr>
+      <p:grpSpPr>
+        <a:xfrm>
+          <a:off x="0" y="0"/>
+          <a:ext cx="0" cy="0"/>
+          <a:chOff x="0" y="0"/>
+          <a:chExt cx="0" cy="0"/>
+        </a:xfrm>
+      </p:grpSpPr>
+      <p:sp>
+        <p:nvSpPr>
+          <p:cNvPr id="2" name="Title 1">
+            <a:extLst>
+              <a:ext uri="{FF2B5EF4-FFF2-40B4-BE49-F238E27FC236}">
+                <a16:creationId xmlns:a16="http://schemas.microsoft.com/office/drawing/2014/main" id="{4E54927E-A2AF-274B-8D4D-F0697D072A8D}"/>
+              </a:ext>
+            </a:extLst>
+          </p:cNvPr>
+          <p:cNvSpPr>
+            <a:spLocks noGrp="1"/>
+          </p:cNvSpPr>
+          <p:nvPr>
+            <p:ph type="title"/>
+          </p:nvPr>
+        </p:nvSpPr>
+        <p:spPr/>
+        <p:txBody>
+          <a:bodyPr/>
+          <a:lstStyle/>
+          <a:p>
+            <a:r>
+              <a:rPr lang="en-US" dirty="0"/>
+              <a:t>Functions</a:t>
+            </a:r>
+          </a:p>
+        </p:txBody>
+      </p:sp>
+      <p:sp>
+        <p:nvSpPr>
+          <p:cNvPr id="3" name="Content Placeholder 2">
+            <a:extLst>
+              <a:ext uri="{FF2B5EF4-FFF2-40B4-BE49-F238E27FC236}">
+                <a16:creationId xmlns:a16="http://schemas.microsoft.com/office/drawing/2014/main" id="{4FE28027-DD9D-C447-92A4-C3D042D3541D}"/>
+              </a:ext>
+            </a:extLst>
+          </p:cNvPr>
+          <p:cNvSpPr>
+            <a:spLocks noGrp="1"/>
+          </p:cNvSpPr>
+          <p:nvPr>
+            <p:ph idx="1"/>
           </p:nvPr>
         </p:nvSpPr>
         <p:spPr/>
@@ -3813,6 +4446,751 @@
           </a:bodyPr>
           <a:lstStyle/>
           <a:p>
+            <a:pPr marL="0" indent="0">
+              <a:buNone/>
+            </a:pPr>
+            <a:r>
+              <a:rPr lang="en-US" dirty="0">
+                <a:latin typeface="Consolas" panose="020B0609020204030204" pitchFamily="49" charset="0"/>
+                <a:cs typeface="Consolas" panose="020B0609020204030204" pitchFamily="49" charset="0"/>
+              </a:rPr>
+              <a:t>&gt;&gt;&gt; def </a:t>
+            </a:r>
+            <a:r>
+              <a:rPr lang="en-US" dirty="0" err="1">
+                <a:latin typeface="Consolas" panose="020B0609020204030204" pitchFamily="49" charset="0"/>
+                <a:cs typeface="Consolas" panose="020B0609020204030204" pitchFamily="49" charset="0"/>
+              </a:rPr>
+              <a:t>addone</a:t>
+            </a:r>
+            <a:r>
+              <a:rPr lang="en-US" dirty="0">
+                <a:latin typeface="Consolas" panose="020B0609020204030204" pitchFamily="49" charset="0"/>
+                <a:cs typeface="Consolas" panose="020B0609020204030204" pitchFamily="49" charset="0"/>
+              </a:rPr>
+              <a:t>(x):</a:t>
+            </a:r>
+          </a:p>
+          <a:p>
+            <a:pPr marL="0" indent="0">
+              <a:buNone/>
+            </a:pPr>
+            <a:r>
+              <a:rPr lang="en-US" dirty="0">
+                <a:latin typeface="Consolas" panose="020B0609020204030204" pitchFamily="49" charset="0"/>
+                <a:cs typeface="Consolas" panose="020B0609020204030204" pitchFamily="49" charset="0"/>
+              </a:rPr>
+              <a:t>	x = x + 1</a:t>
+            </a:r>
+          </a:p>
+          <a:p>
+            <a:pPr marL="0" indent="0">
+              <a:buNone/>
+            </a:pPr>
+            <a:r>
+              <a:rPr lang="en-US" dirty="0">
+                <a:latin typeface="Consolas" panose="020B0609020204030204" pitchFamily="49" charset="0"/>
+                <a:cs typeface="Consolas" panose="020B0609020204030204" pitchFamily="49" charset="0"/>
+              </a:rPr>
+              <a:t>	return x</a:t>
+            </a:r>
+          </a:p>
+          <a:p>
+            <a:pPr marL="0" indent="0">
+              <a:buNone/>
+            </a:pPr>
+            <a:r>
+              <a:rPr lang="en-US" dirty="0">
+                <a:latin typeface="Consolas" panose="020B0609020204030204" pitchFamily="49" charset="0"/>
+                <a:cs typeface="Consolas" panose="020B0609020204030204" pitchFamily="49" charset="0"/>
+              </a:rPr>
+              <a:t>&gt;&gt;&gt; x = </a:t>
+            </a:r>
+            <a:r>
+              <a:rPr lang="en-US" dirty="0" err="1">
+                <a:latin typeface="Consolas" panose="020B0609020204030204" pitchFamily="49" charset="0"/>
+                <a:cs typeface="Consolas" panose="020B0609020204030204" pitchFamily="49" charset="0"/>
+              </a:rPr>
+              <a:t>addone</a:t>
+            </a:r>
+            <a:r>
+              <a:rPr lang="en-US" dirty="0">
+                <a:latin typeface="Consolas" panose="020B0609020204030204" pitchFamily="49" charset="0"/>
+                <a:cs typeface="Consolas" panose="020B0609020204030204" pitchFamily="49" charset="0"/>
+              </a:rPr>
+              <a:t>(1)</a:t>
+            </a:r>
+          </a:p>
+          <a:p>
+            <a:pPr marL="0" indent="0">
+              <a:buNone/>
+            </a:pPr>
+            <a:r>
+              <a:rPr lang="en-US" dirty="0">
+                <a:latin typeface="Consolas" panose="020B0609020204030204" pitchFamily="49" charset="0"/>
+                <a:cs typeface="Consolas" panose="020B0609020204030204" pitchFamily="49" charset="0"/>
+              </a:rPr>
+              <a:t>&gt;&gt;&gt; x</a:t>
+            </a:r>
+          </a:p>
+          <a:p>
+            <a:pPr marL="0" indent="0">
+              <a:buNone/>
+            </a:pPr>
+            <a:r>
+              <a:rPr lang="en-US" dirty="0"/>
+              <a:t>2</a:t>
+            </a:r>
+          </a:p>
+          <a:p>
+            <a:pPr marL="0" indent="0">
+              <a:buNone/>
+            </a:pPr>
+            <a:endParaRPr lang="en-US" dirty="0">
+              <a:latin typeface="Consolas" panose="020B0609020204030204" pitchFamily="49" charset="0"/>
+              <a:cs typeface="Consolas" panose="020B0609020204030204" pitchFamily="49" charset="0"/>
+            </a:endParaRPr>
+          </a:p>
+          <a:p>
+            <a:pPr marL="0" indent="0">
+              <a:buNone/>
+            </a:pPr>
+            <a:r>
+              <a:rPr lang="en-US" dirty="0">
+                <a:cs typeface="Consolas" panose="020B0609020204030204" pitchFamily="49" charset="0"/>
+              </a:rPr>
+              <a:t>Setting the function to a variable saves the output</a:t>
+            </a:r>
+          </a:p>
+        </p:txBody>
+      </p:sp>
+    </p:spTree>
+    <p:extLst>
+      <p:ext uri="{BB962C8B-B14F-4D97-AF65-F5344CB8AC3E}">
+        <p14:creationId xmlns:p14="http://schemas.microsoft.com/office/powerpoint/2010/main" val="3058332969"/>
+      </p:ext>
+    </p:extLst>
+  </p:cSld>
+  <p:clrMapOvr>
+    <a:masterClrMapping/>
+  </p:clrMapOvr>
+</p:sld>
+</file>
+
+<file path=ppt/slides/slide14.xml><?xml version="1.0" encoding="utf-8"?>
+<p:sld xmlns:a="http://schemas.openxmlformats.org/drawingml/2006/main" xmlns:r="http://schemas.openxmlformats.org/officeDocument/2006/relationships" xmlns:p="http://schemas.openxmlformats.org/presentationml/2006/main">
+  <p:cSld>
+    <p:spTree>
+      <p:nvGrpSpPr>
+        <p:cNvPr id="1" name=""/>
+        <p:cNvGrpSpPr/>
+        <p:nvPr/>
+      </p:nvGrpSpPr>
+      <p:grpSpPr>
+        <a:xfrm>
+          <a:off x="0" y="0"/>
+          <a:ext cx="0" cy="0"/>
+          <a:chOff x="0" y="0"/>
+          <a:chExt cx="0" cy="0"/>
+        </a:xfrm>
+      </p:grpSpPr>
+      <p:sp>
+        <p:nvSpPr>
+          <p:cNvPr id="2" name="Title 1">
+            <a:extLst>
+              <a:ext uri="{FF2B5EF4-FFF2-40B4-BE49-F238E27FC236}">
+                <a16:creationId xmlns:a16="http://schemas.microsoft.com/office/drawing/2014/main" id="{F5B803C6-B552-484E-813B-1BE8B7D078F6}"/>
+              </a:ext>
+            </a:extLst>
+          </p:cNvPr>
+          <p:cNvSpPr>
+            <a:spLocks noGrp="1"/>
+          </p:cNvSpPr>
+          <p:nvPr>
+            <p:ph type="title"/>
+          </p:nvPr>
+        </p:nvSpPr>
+        <p:spPr/>
+        <p:txBody>
+          <a:bodyPr/>
+          <a:lstStyle/>
+          <a:p>
+            <a:r>
+              <a:rPr lang="en-US" dirty="0"/>
+              <a:t>What about multiple inputs?</a:t>
+            </a:r>
+          </a:p>
+        </p:txBody>
+      </p:sp>
+      <p:sp>
+        <p:nvSpPr>
+          <p:cNvPr id="3" name="Content Placeholder 2">
+            <a:extLst>
+              <a:ext uri="{FF2B5EF4-FFF2-40B4-BE49-F238E27FC236}">
+                <a16:creationId xmlns:a16="http://schemas.microsoft.com/office/drawing/2014/main" id="{FE631705-B59F-2742-8049-9EE4859BCB55}"/>
+              </a:ext>
+            </a:extLst>
+          </p:cNvPr>
+          <p:cNvSpPr>
+            <a:spLocks noGrp="1"/>
+          </p:cNvSpPr>
+          <p:nvPr>
+            <p:ph idx="1"/>
+          </p:nvPr>
+        </p:nvSpPr>
+        <p:spPr/>
+        <p:txBody>
+          <a:bodyPr>
+            <a:normAutofit/>
+          </a:bodyPr>
+          <a:lstStyle/>
+          <a:p>
+            <a:pPr marL="0" indent="0">
+              <a:buNone/>
+            </a:pPr>
+            <a:r>
+              <a:rPr lang="en-US" dirty="0">
+                <a:latin typeface="Consolas" panose="020B0609020204030204" pitchFamily="49" charset="0"/>
+                <a:cs typeface="Consolas" panose="020B0609020204030204" pitchFamily="49" charset="0"/>
+              </a:rPr>
+              <a:t>&gt;&gt;&gt; def </a:t>
+            </a:r>
+            <a:r>
+              <a:rPr lang="en-US" dirty="0" err="1">
+                <a:latin typeface="Consolas" panose="020B0609020204030204" pitchFamily="49" charset="0"/>
+                <a:cs typeface="Consolas" panose="020B0609020204030204" pitchFamily="49" charset="0"/>
+              </a:rPr>
+              <a:t>addtwo</a:t>
+            </a:r>
+            <a:r>
+              <a:rPr lang="en-US" dirty="0">
+                <a:latin typeface="Consolas" panose="020B0609020204030204" pitchFamily="49" charset="0"/>
+                <a:cs typeface="Consolas" panose="020B0609020204030204" pitchFamily="49" charset="0"/>
+              </a:rPr>
+              <a:t>(x, y):</a:t>
+            </a:r>
+          </a:p>
+          <a:p>
+            <a:pPr marL="0" indent="0">
+              <a:buNone/>
+            </a:pPr>
+            <a:r>
+              <a:rPr lang="en-US" dirty="0">
+                <a:latin typeface="Consolas" panose="020B0609020204030204" pitchFamily="49" charset="0"/>
+                <a:cs typeface="Consolas" panose="020B0609020204030204" pitchFamily="49" charset="0"/>
+              </a:rPr>
+              <a:t>	z = (x + 1) / y</a:t>
+            </a:r>
+          </a:p>
+          <a:p>
+            <a:pPr marL="0" indent="0">
+              <a:buNone/>
+            </a:pPr>
+            <a:r>
+              <a:rPr lang="en-US" dirty="0">
+                <a:latin typeface="Consolas" panose="020B0609020204030204" pitchFamily="49" charset="0"/>
+                <a:cs typeface="Consolas" panose="020B0609020204030204" pitchFamily="49" charset="0"/>
+              </a:rPr>
+              <a:t>	return z</a:t>
+            </a:r>
+          </a:p>
+          <a:p>
+            <a:pPr marL="0" indent="0">
+              <a:buNone/>
+            </a:pPr>
+            <a:r>
+              <a:rPr lang="en-US" dirty="0">
+                <a:latin typeface="Consolas" panose="020B0609020204030204" pitchFamily="49" charset="0"/>
+                <a:cs typeface="Consolas" panose="020B0609020204030204" pitchFamily="49" charset="0"/>
+              </a:rPr>
+              <a:t>&gt;&gt;&gt; </a:t>
+            </a:r>
+            <a:r>
+              <a:rPr lang="en-US" dirty="0" err="1">
+                <a:latin typeface="Consolas" panose="020B0609020204030204" pitchFamily="49" charset="0"/>
+                <a:cs typeface="Consolas" panose="020B0609020204030204" pitchFamily="49" charset="0"/>
+              </a:rPr>
+              <a:t>addtwo</a:t>
+            </a:r>
+            <a:r>
+              <a:rPr lang="en-US" dirty="0">
+                <a:latin typeface="Consolas" panose="020B0609020204030204" pitchFamily="49" charset="0"/>
+                <a:cs typeface="Consolas" panose="020B0609020204030204" pitchFamily="49" charset="0"/>
+              </a:rPr>
+              <a:t>(1, 2)</a:t>
+            </a:r>
+          </a:p>
+          <a:p>
+            <a:pPr marL="0" indent="0">
+              <a:buNone/>
+            </a:pPr>
+            <a:r>
+              <a:rPr lang="en-US" dirty="0">
+                <a:latin typeface="Consolas" panose="020B0609020204030204" pitchFamily="49" charset="0"/>
+                <a:cs typeface="Consolas" panose="020B0609020204030204" pitchFamily="49" charset="0"/>
+              </a:rPr>
+              <a:t>1.0</a:t>
+            </a:r>
+          </a:p>
+          <a:p>
+            <a:pPr marL="0" indent="0">
+              <a:buNone/>
+            </a:pPr>
+            <a:endParaRPr lang="en-US" dirty="0"/>
+          </a:p>
+          <a:p>
+            <a:pPr marL="0" indent="0">
+              <a:buNone/>
+            </a:pPr>
+            <a:endParaRPr lang="en-US" dirty="0"/>
+          </a:p>
+          <a:p>
+            <a:pPr marL="0" indent="0">
+              <a:buNone/>
+            </a:pPr>
+            <a:endParaRPr lang="en-US" dirty="0"/>
+          </a:p>
+        </p:txBody>
+      </p:sp>
+    </p:spTree>
+    <p:extLst>
+      <p:ext uri="{BB962C8B-B14F-4D97-AF65-F5344CB8AC3E}">
+        <p14:creationId xmlns:p14="http://schemas.microsoft.com/office/powerpoint/2010/main" val="2723582606"/>
+      </p:ext>
+    </p:extLst>
+  </p:cSld>
+  <p:clrMapOvr>
+    <a:masterClrMapping/>
+  </p:clrMapOvr>
+</p:sld>
+</file>
+
+<file path=ppt/slides/slide15.xml><?xml version="1.0" encoding="utf-8"?>
+<p:sld xmlns:a="http://schemas.openxmlformats.org/drawingml/2006/main" xmlns:r="http://schemas.openxmlformats.org/officeDocument/2006/relationships" xmlns:p="http://schemas.openxmlformats.org/presentationml/2006/main">
+  <p:cSld>
+    <p:spTree>
+      <p:nvGrpSpPr>
+        <p:cNvPr id="1" name=""/>
+        <p:cNvGrpSpPr/>
+        <p:nvPr/>
+      </p:nvGrpSpPr>
+      <p:grpSpPr>
+        <a:xfrm>
+          <a:off x="0" y="0"/>
+          <a:ext cx="0" cy="0"/>
+          <a:chOff x="0" y="0"/>
+          <a:chExt cx="0" cy="0"/>
+        </a:xfrm>
+      </p:grpSpPr>
+      <p:sp>
+        <p:nvSpPr>
+          <p:cNvPr id="2" name="Title 1">
+            <a:extLst>
+              <a:ext uri="{FF2B5EF4-FFF2-40B4-BE49-F238E27FC236}">
+                <a16:creationId xmlns:a16="http://schemas.microsoft.com/office/drawing/2014/main" id="{2F8DFB54-9E6D-E54A-AF3D-71E5CF6147F4}"/>
+              </a:ext>
+            </a:extLst>
+          </p:cNvPr>
+          <p:cNvSpPr>
+            <a:spLocks noGrp="1"/>
+          </p:cNvSpPr>
+          <p:nvPr>
+            <p:ph type="title"/>
+          </p:nvPr>
+        </p:nvSpPr>
+        <p:spPr/>
+        <p:txBody>
+          <a:bodyPr/>
+          <a:lstStyle/>
+          <a:p>
+            <a:r>
+              <a:rPr lang="en-US" dirty="0"/>
+              <a:t>What about multiple outputs?</a:t>
+            </a:r>
+          </a:p>
+        </p:txBody>
+      </p:sp>
+      <p:sp>
+        <p:nvSpPr>
+          <p:cNvPr id="3" name="Content Placeholder 2">
+            <a:extLst>
+              <a:ext uri="{FF2B5EF4-FFF2-40B4-BE49-F238E27FC236}">
+                <a16:creationId xmlns:a16="http://schemas.microsoft.com/office/drawing/2014/main" id="{BCC7745A-EB4B-874F-809C-8916D9822B58}"/>
+              </a:ext>
+            </a:extLst>
+          </p:cNvPr>
+          <p:cNvSpPr>
+            <a:spLocks noGrp="1"/>
+          </p:cNvSpPr>
+          <p:nvPr>
+            <p:ph idx="1"/>
+          </p:nvPr>
+        </p:nvSpPr>
+        <p:spPr>
+          <a:xfrm>
+            <a:off x="838200" y="1825625"/>
+            <a:ext cx="10515600" cy="4667250"/>
+          </a:xfrm>
+        </p:spPr>
+        <p:txBody>
+          <a:bodyPr>
+            <a:normAutofit fontScale="62500" lnSpcReduction="20000"/>
+          </a:bodyPr>
+          <a:lstStyle/>
+          <a:p>
+            <a:pPr marL="0" indent="0">
+              <a:buNone/>
+            </a:pPr>
+            <a:r>
+              <a:rPr lang="en-US" dirty="0">
+                <a:latin typeface="Consolas" panose="020B0609020204030204" pitchFamily="49" charset="0"/>
+                <a:cs typeface="Consolas" panose="020B0609020204030204" pitchFamily="49" charset="0"/>
+              </a:rPr>
+              <a:t>&gt;&gt;&gt; def multitask(x):</a:t>
+            </a:r>
+          </a:p>
+          <a:p>
+            <a:pPr marL="0" indent="0">
+              <a:buNone/>
+            </a:pPr>
+            <a:r>
+              <a:rPr lang="en-US" dirty="0">
+                <a:latin typeface="Consolas" panose="020B0609020204030204" pitchFamily="49" charset="0"/>
+                <a:cs typeface="Consolas" panose="020B0609020204030204" pitchFamily="49" charset="0"/>
+              </a:rPr>
+              <a:t>	if x &gt; 100:</a:t>
+            </a:r>
+          </a:p>
+          <a:p>
+            <a:pPr marL="0" indent="0">
+              <a:buNone/>
+            </a:pPr>
+            <a:r>
+              <a:rPr lang="en-US" dirty="0">
+                <a:latin typeface="Consolas" panose="020B0609020204030204" pitchFamily="49" charset="0"/>
+                <a:cs typeface="Consolas" panose="020B0609020204030204" pitchFamily="49" charset="0"/>
+              </a:rPr>
+              <a:t>		x = x / 2</a:t>
+            </a:r>
+          </a:p>
+          <a:p>
+            <a:pPr marL="0" indent="0">
+              <a:buNone/>
+            </a:pPr>
+            <a:r>
+              <a:rPr lang="en-US" dirty="0">
+                <a:latin typeface="Consolas" panose="020B0609020204030204" pitchFamily="49" charset="0"/>
+                <a:cs typeface="Consolas" panose="020B0609020204030204" pitchFamily="49" charset="0"/>
+              </a:rPr>
+              <a:t>		y = “large number”</a:t>
+            </a:r>
+          </a:p>
+          <a:p>
+            <a:pPr marL="0" indent="0">
+              <a:buNone/>
+            </a:pPr>
+            <a:r>
+              <a:rPr lang="en-US" dirty="0">
+                <a:latin typeface="Consolas" panose="020B0609020204030204" pitchFamily="49" charset="0"/>
+                <a:cs typeface="Consolas" panose="020B0609020204030204" pitchFamily="49" charset="0"/>
+              </a:rPr>
+              <a:t>	else:</a:t>
+            </a:r>
+          </a:p>
+          <a:p>
+            <a:pPr marL="0" indent="0">
+              <a:buNone/>
+            </a:pPr>
+            <a:r>
+              <a:rPr lang="en-US" dirty="0">
+                <a:latin typeface="Consolas" panose="020B0609020204030204" pitchFamily="49" charset="0"/>
+                <a:cs typeface="Consolas" panose="020B0609020204030204" pitchFamily="49" charset="0"/>
+              </a:rPr>
+              <a:t>		# we don’t need to do anything with x here as it is already defined</a:t>
+            </a:r>
+          </a:p>
+          <a:p>
+            <a:pPr marL="0" indent="0">
+              <a:buNone/>
+            </a:pPr>
+            <a:r>
+              <a:rPr lang="en-US" dirty="0">
+                <a:latin typeface="Consolas" panose="020B0609020204030204" pitchFamily="49" charset="0"/>
+                <a:cs typeface="Consolas" panose="020B0609020204030204" pitchFamily="49" charset="0"/>
+              </a:rPr>
+              <a:t>		y = “small number”</a:t>
+            </a:r>
+          </a:p>
+          <a:p>
+            <a:pPr marL="0" indent="0">
+              <a:buNone/>
+            </a:pPr>
+            <a:r>
+              <a:rPr lang="en-US" dirty="0">
+                <a:latin typeface="Consolas" panose="020B0609020204030204" pitchFamily="49" charset="0"/>
+                <a:cs typeface="Consolas" panose="020B0609020204030204" pitchFamily="49" charset="0"/>
+              </a:rPr>
+              <a:t>	return x, y</a:t>
+            </a:r>
+          </a:p>
+          <a:p>
+            <a:pPr marL="0" indent="0">
+              <a:buNone/>
+            </a:pPr>
+            <a:endParaRPr lang="en-US" dirty="0">
+              <a:latin typeface="Consolas" panose="020B0609020204030204" pitchFamily="49" charset="0"/>
+              <a:cs typeface="Consolas" panose="020B0609020204030204" pitchFamily="49" charset="0"/>
+            </a:endParaRPr>
+          </a:p>
+          <a:p>
+            <a:pPr marL="0" indent="0">
+              <a:buNone/>
+            </a:pPr>
+            <a:r>
+              <a:rPr lang="en-US" dirty="0">
+                <a:latin typeface="Consolas" panose="020B0609020204030204" pitchFamily="49" charset="0"/>
+                <a:cs typeface="Consolas" panose="020B0609020204030204" pitchFamily="49" charset="0"/>
+              </a:rPr>
+              <a:t>&gt;&gt; multitask(1)</a:t>
+            </a:r>
+          </a:p>
+          <a:p>
+            <a:pPr marL="0" indent="0">
+              <a:buNone/>
+            </a:pPr>
+            <a:r>
+              <a:rPr lang="en-US" dirty="0">
+                <a:latin typeface="Consolas" panose="020B0609020204030204" pitchFamily="49" charset="0"/>
+                <a:cs typeface="Consolas" panose="020B0609020204030204" pitchFamily="49" charset="0"/>
+              </a:rPr>
+              <a:t>(1, 'small number')</a:t>
+            </a:r>
+          </a:p>
+          <a:p>
+            <a:pPr marL="0" indent="0">
+              <a:buNone/>
+            </a:pPr>
+            <a:r>
+              <a:rPr lang="en-US" dirty="0">
+                <a:latin typeface="Consolas" panose="020B0609020204030204" pitchFamily="49" charset="0"/>
+                <a:cs typeface="Consolas" panose="020B0609020204030204" pitchFamily="49" charset="0"/>
+              </a:rPr>
+              <a:t>&gt;&gt;&gt; x, y = multitask(101)</a:t>
+            </a:r>
+          </a:p>
+          <a:p>
+            <a:pPr marL="0" indent="0">
+              <a:buNone/>
+            </a:pPr>
+            <a:r>
+              <a:rPr lang="en-US" dirty="0">
+                <a:latin typeface="Consolas" panose="020B0609020204030204" pitchFamily="49" charset="0"/>
+                <a:cs typeface="Consolas" panose="020B0609020204030204" pitchFamily="49" charset="0"/>
+              </a:rPr>
+              <a:t>&gt;&gt;&gt; print(y)</a:t>
+            </a:r>
+          </a:p>
+          <a:p>
+            <a:pPr marL="0" indent="0">
+              <a:buNone/>
+            </a:pPr>
+            <a:r>
+              <a:rPr lang="en-US" dirty="0">
+                <a:latin typeface="Consolas" panose="020B0609020204030204" pitchFamily="49" charset="0"/>
+                <a:cs typeface="Consolas" panose="020B0609020204030204" pitchFamily="49" charset="0"/>
+              </a:rPr>
+              <a:t>‘large number’</a:t>
+            </a:r>
+          </a:p>
+        </p:txBody>
+      </p:sp>
+    </p:spTree>
+    <p:extLst>
+      <p:ext uri="{BB962C8B-B14F-4D97-AF65-F5344CB8AC3E}">
+        <p14:creationId xmlns:p14="http://schemas.microsoft.com/office/powerpoint/2010/main" val="1998394741"/>
+      </p:ext>
+    </p:extLst>
+  </p:cSld>
+  <p:clrMapOvr>
+    <a:masterClrMapping/>
+  </p:clrMapOvr>
+</p:sld>
+</file>
+
+<file path=ppt/slides/slide16.xml><?xml version="1.0" encoding="utf-8"?>
+<p:sld xmlns:a="http://schemas.openxmlformats.org/drawingml/2006/main" xmlns:r="http://schemas.openxmlformats.org/officeDocument/2006/relationships" xmlns:p="http://schemas.openxmlformats.org/presentationml/2006/main">
+  <p:cSld>
+    <p:spTree>
+      <p:nvGrpSpPr>
+        <p:cNvPr id="1" name=""/>
+        <p:cNvGrpSpPr/>
+        <p:nvPr/>
+      </p:nvGrpSpPr>
+      <p:grpSpPr>
+        <a:xfrm>
+          <a:off x="0" y="0"/>
+          <a:ext cx="0" cy="0"/>
+          <a:chOff x="0" y="0"/>
+          <a:chExt cx="0" cy="0"/>
+        </a:xfrm>
+      </p:grpSpPr>
+      <p:sp>
+        <p:nvSpPr>
+          <p:cNvPr id="2" name="Title 1">
+            <a:extLst>
+              <a:ext uri="{FF2B5EF4-FFF2-40B4-BE49-F238E27FC236}">
+                <a16:creationId xmlns:a16="http://schemas.microsoft.com/office/drawing/2014/main" id="{214244A6-867D-C044-91B9-C0B517C1C70F}"/>
+              </a:ext>
+            </a:extLst>
+          </p:cNvPr>
+          <p:cNvSpPr>
+            <a:spLocks noGrp="1"/>
+          </p:cNvSpPr>
+          <p:nvPr>
+            <p:ph type="title"/>
+          </p:nvPr>
+        </p:nvSpPr>
+        <p:spPr/>
+        <p:txBody>
+          <a:bodyPr/>
+          <a:lstStyle/>
+          <a:p>
+            <a:r>
+              <a:rPr lang="en-US" dirty="0"/>
+              <a:t>Homework</a:t>
+            </a:r>
+          </a:p>
+        </p:txBody>
+      </p:sp>
+      <p:sp>
+        <p:nvSpPr>
+          <p:cNvPr id="3" name="Content Placeholder 2">
+            <a:extLst>
+              <a:ext uri="{FF2B5EF4-FFF2-40B4-BE49-F238E27FC236}">
+                <a16:creationId xmlns:a16="http://schemas.microsoft.com/office/drawing/2014/main" id="{CC2AB957-4C2E-AA4C-A9A9-44F9B585BCCC}"/>
+              </a:ext>
+            </a:extLst>
+          </p:cNvPr>
+          <p:cNvSpPr>
+            <a:spLocks noGrp="1"/>
+          </p:cNvSpPr>
+          <p:nvPr>
+            <p:ph idx="1"/>
+          </p:nvPr>
+        </p:nvSpPr>
+        <p:spPr/>
+        <p:txBody>
+          <a:bodyPr>
+            <a:normAutofit/>
+          </a:bodyPr>
+          <a:lstStyle/>
+          <a:p>
+            <a:r>
+              <a:rPr lang="en-US" dirty="0"/>
+              <a:t>Create a list of strings. For each string, if the number of characters is greater than 5, print out the string as is. If it is less than or equal to 5, print out the string plus “(this is a small word)”. </a:t>
+            </a:r>
+          </a:p>
+          <a:p>
+            <a:r>
+              <a:rPr lang="en-US" dirty="0"/>
+              <a:t>Create a list of numbers. If the number is less than 100, divide by 2 and append to a new list. If the number falls between 100 and 200, divide by 3 and append to the new list. If the number is greater than 200, divide by 4 and append to the new list. </a:t>
+            </a:r>
+          </a:p>
+          <a:p>
+            <a:endParaRPr lang="en-US" dirty="0"/>
+          </a:p>
+          <a:p>
+            <a:pPr marL="0" indent="0">
+              <a:buNone/>
+            </a:pPr>
+            <a:r>
+              <a:rPr lang="en-US" dirty="0"/>
+              <a:t>Important: For each task, create a function that takes as input the array to be processed and outputs the new array of modified values.</a:t>
+            </a:r>
+          </a:p>
+        </p:txBody>
+      </p:sp>
+    </p:spTree>
+    <p:extLst>
+      <p:ext uri="{BB962C8B-B14F-4D97-AF65-F5344CB8AC3E}">
+        <p14:creationId xmlns:p14="http://schemas.microsoft.com/office/powerpoint/2010/main" val="3289807827"/>
+      </p:ext>
+    </p:extLst>
+  </p:cSld>
+  <p:clrMapOvr>
+    <a:masterClrMapping/>
+  </p:clrMapOvr>
+</p:sld>
+</file>
+
+<file path=ppt/slides/slide2.xml><?xml version="1.0" encoding="utf-8"?>
+<p:sld xmlns:a="http://schemas.openxmlformats.org/drawingml/2006/main" xmlns:r="http://schemas.openxmlformats.org/officeDocument/2006/relationships" xmlns:p="http://schemas.openxmlformats.org/presentationml/2006/main">
+  <p:cSld>
+    <p:spTree>
+      <p:nvGrpSpPr>
+        <p:cNvPr id="1" name=""/>
+        <p:cNvGrpSpPr/>
+        <p:nvPr/>
+      </p:nvGrpSpPr>
+      <p:grpSpPr>
+        <a:xfrm>
+          <a:off x="0" y="0"/>
+          <a:ext cx="0" cy="0"/>
+          <a:chOff x="0" y="0"/>
+          <a:chExt cx="0" cy="0"/>
+        </a:xfrm>
+      </p:grpSpPr>
+      <p:sp>
+        <p:nvSpPr>
+          <p:cNvPr id="2" name="Title 1">
+            <a:extLst>
+              <a:ext uri="{FF2B5EF4-FFF2-40B4-BE49-F238E27FC236}">
+                <a16:creationId xmlns:a16="http://schemas.microsoft.com/office/drawing/2014/main" id="{D84FD462-78F6-1744-88DC-90F986F10A2F}"/>
+              </a:ext>
+            </a:extLst>
+          </p:cNvPr>
+          <p:cNvSpPr>
+            <a:spLocks noGrp="1"/>
+          </p:cNvSpPr>
+          <p:nvPr>
+            <p:ph type="ctrTitle"/>
+          </p:nvPr>
+        </p:nvSpPr>
+        <p:spPr/>
+        <p:txBody>
+          <a:bodyPr/>
+          <a:lstStyle/>
+          <a:p>
+            <a:r>
+              <a:rPr lang="en-US" dirty="0"/>
+              <a:t>#3.2</a:t>
+            </a:r>
+          </a:p>
+        </p:txBody>
+      </p:sp>
+      <p:sp>
+        <p:nvSpPr>
+          <p:cNvPr id="3" name="Subtitle 2">
+            <a:extLst>
+              <a:ext uri="{FF2B5EF4-FFF2-40B4-BE49-F238E27FC236}">
+                <a16:creationId xmlns:a16="http://schemas.microsoft.com/office/drawing/2014/main" id="{C5B9582C-40E6-9F40-82E3-C38CD19A441E}"/>
+              </a:ext>
+            </a:extLst>
+          </p:cNvPr>
+          <p:cNvSpPr>
+            <a:spLocks noGrp="1"/>
+          </p:cNvSpPr>
+          <p:nvPr>
+            <p:ph type="subTitle" idx="1"/>
+          </p:nvPr>
+        </p:nvSpPr>
+        <p:spPr/>
+        <p:txBody>
+          <a:bodyPr>
+            <a:normAutofit/>
+          </a:bodyPr>
+          <a:lstStyle/>
+          <a:p>
             <a:r>
               <a:rPr lang="en-US" dirty="0"/>
               <a:t>Control flow</a:t>
@@ -3821,13 +5199,7 @@
           <a:p>
             <a:r>
               <a:rPr lang="en-US" dirty="0"/>
-              <a:t>For, while</a:t>
-            </a:r>
-          </a:p>
-          <a:p>
-            <a:r>
-              <a:rPr lang="en-US" dirty="0"/>
-              <a:t>Modularizing by task</a:t>
+              <a:t>Modularizing tasks</a:t>
             </a:r>
           </a:p>
         </p:txBody>
@@ -3836,6 +5208,1167 @@
     <p:extLst>
       <p:ext uri="{BB962C8B-B14F-4D97-AF65-F5344CB8AC3E}">
         <p14:creationId xmlns:p14="http://schemas.microsoft.com/office/powerpoint/2010/main" val="1185113121"/>
+      </p:ext>
+    </p:extLst>
+  </p:cSld>
+  <p:clrMapOvr>
+    <a:masterClrMapping/>
+  </p:clrMapOvr>
+</p:sld>
+</file>
+
+<file path=ppt/slides/slide3.xml><?xml version="1.0" encoding="utf-8"?>
+<p:sld xmlns:a="http://schemas.openxmlformats.org/drawingml/2006/main" xmlns:r="http://schemas.openxmlformats.org/officeDocument/2006/relationships" xmlns:p="http://schemas.openxmlformats.org/presentationml/2006/main">
+  <p:cSld>
+    <p:spTree>
+      <p:nvGrpSpPr>
+        <p:cNvPr id="1" name=""/>
+        <p:cNvGrpSpPr/>
+        <p:nvPr/>
+      </p:nvGrpSpPr>
+      <p:grpSpPr>
+        <a:xfrm>
+          <a:off x="0" y="0"/>
+          <a:ext cx="0" cy="0"/>
+          <a:chOff x="0" y="0"/>
+          <a:chExt cx="0" cy="0"/>
+        </a:xfrm>
+      </p:grpSpPr>
+      <p:sp>
+        <p:nvSpPr>
+          <p:cNvPr id="2" name="Title 1">
+            <a:extLst>
+              <a:ext uri="{FF2B5EF4-FFF2-40B4-BE49-F238E27FC236}">
+                <a16:creationId xmlns:a16="http://schemas.microsoft.com/office/drawing/2014/main" id="{B4E4C33B-C758-B847-9C58-03F410CB7973}"/>
+              </a:ext>
+            </a:extLst>
+          </p:cNvPr>
+          <p:cNvSpPr>
+            <a:spLocks noGrp="1"/>
+          </p:cNvSpPr>
+          <p:nvPr>
+            <p:ph type="title"/>
+          </p:nvPr>
+        </p:nvSpPr>
+        <p:spPr/>
+        <p:txBody>
+          <a:bodyPr/>
+          <a:lstStyle/>
+          <a:p>
+            <a:r>
+              <a:rPr lang="en-US" dirty="0"/>
+              <a:t>Iterations	</a:t>
+            </a:r>
+          </a:p>
+        </p:txBody>
+      </p:sp>
+      <p:sp>
+        <p:nvSpPr>
+          <p:cNvPr id="3" name="Content Placeholder 2">
+            <a:extLst>
+              <a:ext uri="{FF2B5EF4-FFF2-40B4-BE49-F238E27FC236}">
+                <a16:creationId xmlns:a16="http://schemas.microsoft.com/office/drawing/2014/main" id="{DA2B3A8A-2232-8542-98BE-89F3648C53A3}"/>
+              </a:ext>
+            </a:extLst>
+          </p:cNvPr>
+          <p:cNvSpPr>
+            <a:spLocks noGrp="1"/>
+          </p:cNvSpPr>
+          <p:nvPr>
+            <p:ph idx="1"/>
+          </p:nvPr>
+        </p:nvSpPr>
+        <p:spPr/>
+        <p:txBody>
+          <a:bodyPr/>
+          <a:lstStyle/>
+          <a:p>
+            <a:r>
+              <a:rPr lang="en-US" dirty="0"/>
+              <a:t>How would you perform a similar task over and over for a list of variables?</a:t>
+            </a:r>
+          </a:p>
+          <a:p>
+            <a:r>
+              <a:rPr lang="en-US" dirty="0"/>
+              <a:t>What if you don’t know how many times you want to repeat the task?</a:t>
+            </a:r>
+          </a:p>
+        </p:txBody>
+      </p:sp>
+    </p:spTree>
+    <p:extLst>
+      <p:ext uri="{BB962C8B-B14F-4D97-AF65-F5344CB8AC3E}">
+        <p14:creationId xmlns:p14="http://schemas.microsoft.com/office/powerpoint/2010/main" val="2028226391"/>
+      </p:ext>
+    </p:extLst>
+  </p:cSld>
+  <p:clrMapOvr>
+    <a:masterClrMapping/>
+  </p:clrMapOvr>
+</p:sld>
+</file>
+
+<file path=ppt/slides/slide4.xml><?xml version="1.0" encoding="utf-8"?>
+<p:sld xmlns:a="http://schemas.openxmlformats.org/drawingml/2006/main" xmlns:r="http://schemas.openxmlformats.org/officeDocument/2006/relationships" xmlns:p="http://schemas.openxmlformats.org/presentationml/2006/main">
+  <p:cSld>
+    <p:spTree>
+      <p:nvGrpSpPr>
+        <p:cNvPr id="1" name=""/>
+        <p:cNvGrpSpPr/>
+        <p:nvPr/>
+      </p:nvGrpSpPr>
+      <p:grpSpPr>
+        <a:xfrm>
+          <a:off x="0" y="0"/>
+          <a:ext cx="0" cy="0"/>
+          <a:chOff x="0" y="0"/>
+          <a:chExt cx="0" cy="0"/>
+        </a:xfrm>
+      </p:grpSpPr>
+      <p:sp>
+        <p:nvSpPr>
+          <p:cNvPr id="2" name="Title 1">
+            <a:extLst>
+              <a:ext uri="{FF2B5EF4-FFF2-40B4-BE49-F238E27FC236}">
+                <a16:creationId xmlns:a16="http://schemas.microsoft.com/office/drawing/2014/main" id="{80C3AA2D-20DE-3041-8EE7-10D3BC53121B}"/>
+              </a:ext>
+            </a:extLst>
+          </p:cNvPr>
+          <p:cNvSpPr>
+            <a:spLocks noGrp="1"/>
+          </p:cNvSpPr>
+          <p:nvPr>
+            <p:ph type="title"/>
+          </p:nvPr>
+        </p:nvSpPr>
+        <p:spPr/>
+        <p:txBody>
+          <a:bodyPr/>
+          <a:lstStyle/>
+          <a:p>
+            <a:r>
+              <a:rPr lang="en-US" dirty="0"/>
+              <a:t>Conditions</a:t>
+            </a:r>
+          </a:p>
+        </p:txBody>
+      </p:sp>
+      <p:sp>
+        <p:nvSpPr>
+          <p:cNvPr id="3" name="Content Placeholder 2">
+            <a:extLst>
+              <a:ext uri="{FF2B5EF4-FFF2-40B4-BE49-F238E27FC236}">
+                <a16:creationId xmlns:a16="http://schemas.microsoft.com/office/drawing/2014/main" id="{5F560198-B692-3744-B55D-1274B0B9F76B}"/>
+              </a:ext>
+            </a:extLst>
+          </p:cNvPr>
+          <p:cNvSpPr>
+            <a:spLocks noGrp="1"/>
+          </p:cNvSpPr>
+          <p:nvPr>
+            <p:ph idx="1"/>
+          </p:nvPr>
+        </p:nvSpPr>
+        <p:spPr/>
+        <p:txBody>
+          <a:bodyPr/>
+          <a:lstStyle/>
+          <a:p>
+            <a:r>
+              <a:rPr lang="en-US" dirty="0"/>
+              <a:t>Helpful workflow logic</a:t>
+            </a:r>
+          </a:p>
+          <a:p>
+            <a:endParaRPr lang="en-US" dirty="0"/>
+          </a:p>
+          <a:p>
+            <a:r>
+              <a:rPr lang="en-US" dirty="0"/>
+              <a:t>if: the first option </a:t>
+            </a:r>
+          </a:p>
+          <a:p>
+            <a:r>
+              <a:rPr lang="en-US" dirty="0"/>
+              <a:t>else if: the n</a:t>
+            </a:r>
+            <a:r>
+              <a:rPr lang="en-US" baseline="30000" dirty="0"/>
+              <a:t>th</a:t>
+            </a:r>
+            <a:r>
+              <a:rPr lang="en-US" dirty="0"/>
+              <a:t> option</a:t>
+            </a:r>
+          </a:p>
+          <a:p>
+            <a:r>
+              <a:rPr lang="en-US" dirty="0"/>
+              <a:t>else: the final option</a:t>
+            </a:r>
+          </a:p>
+          <a:p>
+            <a:endParaRPr lang="en-US" dirty="0"/>
+          </a:p>
+          <a:p>
+            <a:r>
+              <a:rPr lang="en-US" dirty="0"/>
+              <a:t>Indentation matters in Python to help it know what tasks are part of which conditions</a:t>
+            </a:r>
+          </a:p>
+        </p:txBody>
+      </p:sp>
+    </p:spTree>
+    <p:extLst>
+      <p:ext uri="{BB962C8B-B14F-4D97-AF65-F5344CB8AC3E}">
+        <p14:creationId xmlns:p14="http://schemas.microsoft.com/office/powerpoint/2010/main" val="433575538"/>
+      </p:ext>
+    </p:extLst>
+  </p:cSld>
+  <p:clrMapOvr>
+    <a:masterClrMapping/>
+  </p:clrMapOvr>
+</p:sld>
+</file>
+
+<file path=ppt/slides/slide5.xml><?xml version="1.0" encoding="utf-8"?>
+<p:sld xmlns:a="http://schemas.openxmlformats.org/drawingml/2006/main" xmlns:r="http://schemas.openxmlformats.org/officeDocument/2006/relationships" xmlns:p="http://schemas.openxmlformats.org/presentationml/2006/main">
+  <p:cSld>
+    <p:spTree>
+      <p:nvGrpSpPr>
+        <p:cNvPr id="1" name=""/>
+        <p:cNvGrpSpPr/>
+        <p:nvPr/>
+      </p:nvGrpSpPr>
+      <p:grpSpPr>
+        <a:xfrm>
+          <a:off x="0" y="0"/>
+          <a:ext cx="0" cy="0"/>
+          <a:chOff x="0" y="0"/>
+          <a:chExt cx="0" cy="0"/>
+        </a:xfrm>
+      </p:grpSpPr>
+      <p:sp>
+        <p:nvSpPr>
+          <p:cNvPr id="2" name="Title 1">
+            <a:extLst>
+              <a:ext uri="{FF2B5EF4-FFF2-40B4-BE49-F238E27FC236}">
+                <a16:creationId xmlns:a16="http://schemas.microsoft.com/office/drawing/2014/main" id="{CAA4493D-37B5-C546-BBEB-ED2993F6C06B}"/>
+              </a:ext>
+            </a:extLst>
+          </p:cNvPr>
+          <p:cNvSpPr>
+            <a:spLocks noGrp="1"/>
+          </p:cNvSpPr>
+          <p:nvPr>
+            <p:ph type="title"/>
+          </p:nvPr>
+        </p:nvSpPr>
+        <p:spPr/>
+        <p:txBody>
+          <a:bodyPr/>
+          <a:lstStyle/>
+          <a:p>
+            <a:r>
+              <a:rPr lang="en-US" dirty="0"/>
+              <a:t>Conditions</a:t>
+            </a:r>
+          </a:p>
+        </p:txBody>
+      </p:sp>
+      <p:sp>
+        <p:nvSpPr>
+          <p:cNvPr id="3" name="Content Placeholder 2">
+            <a:extLst>
+              <a:ext uri="{FF2B5EF4-FFF2-40B4-BE49-F238E27FC236}">
+                <a16:creationId xmlns:a16="http://schemas.microsoft.com/office/drawing/2014/main" id="{531289C5-6717-A847-A9A7-694469F23410}"/>
+              </a:ext>
+            </a:extLst>
+          </p:cNvPr>
+          <p:cNvSpPr>
+            <a:spLocks noGrp="1"/>
+          </p:cNvSpPr>
+          <p:nvPr>
+            <p:ph idx="1"/>
+          </p:nvPr>
+        </p:nvSpPr>
+        <p:spPr/>
+        <p:txBody>
+          <a:bodyPr>
+            <a:normAutofit/>
+          </a:bodyPr>
+          <a:lstStyle/>
+          <a:p>
+            <a:r>
+              <a:rPr lang="en-US" dirty="0"/>
+              <a:t>Say we want to get the output of a function and depending on that output, perform one of two options</a:t>
+            </a:r>
+          </a:p>
+          <a:p>
+            <a:r>
+              <a:rPr lang="en-US" dirty="0"/>
+              <a:t>For example, we only want to run the next step if the output is less than 100. We will need if/else logic, and will need to use </a:t>
+            </a:r>
+            <a:r>
+              <a:rPr lang="en-US" u="sng" dirty="0"/>
+              <a:t>operators</a:t>
+            </a:r>
+          </a:p>
+          <a:p>
+            <a:pPr marL="0" indent="0">
+              <a:buNone/>
+            </a:pPr>
+            <a:r>
+              <a:rPr lang="en-US" sz="2400" dirty="0">
+                <a:latin typeface="Consolas" panose="020B0609020204030204" pitchFamily="49" charset="0"/>
+                <a:cs typeface="Consolas" panose="020B0609020204030204" pitchFamily="49" charset="0"/>
+              </a:rPr>
+              <a:t>y = function(x)</a:t>
+            </a:r>
+          </a:p>
+          <a:p>
+            <a:pPr marL="0" indent="0">
+              <a:buNone/>
+            </a:pPr>
+            <a:endParaRPr lang="en-US" sz="2400" dirty="0">
+              <a:latin typeface="Consolas" panose="020B0609020204030204" pitchFamily="49" charset="0"/>
+              <a:cs typeface="Consolas" panose="020B0609020204030204" pitchFamily="49" charset="0"/>
+            </a:endParaRPr>
+          </a:p>
+          <a:p>
+            <a:pPr marL="0" indent="0">
+              <a:buNone/>
+            </a:pPr>
+            <a:r>
+              <a:rPr lang="en-US" sz="2400" dirty="0">
+                <a:latin typeface="Consolas" panose="020B0609020204030204" pitchFamily="49" charset="0"/>
+                <a:cs typeface="Consolas" panose="020B0609020204030204" pitchFamily="49" charset="0"/>
+              </a:rPr>
+              <a:t>  if y &lt; 100 </a:t>
+            </a:r>
+          </a:p>
+          <a:p>
+            <a:pPr marL="457200" lvl="1" indent="0">
+              <a:buNone/>
+            </a:pPr>
+            <a:r>
+              <a:rPr lang="en-US" dirty="0">
+                <a:latin typeface="Consolas" panose="020B0609020204030204" pitchFamily="49" charset="0"/>
+                <a:cs typeface="Consolas" panose="020B0609020204030204" pitchFamily="49" charset="0"/>
+              </a:rPr>
+              <a:t>	do a </a:t>
+            </a:r>
+          </a:p>
+          <a:p>
+            <a:pPr marL="457200" lvl="1" indent="0">
+              <a:buNone/>
+            </a:pPr>
+            <a:r>
+              <a:rPr lang="en-US" dirty="0">
+                <a:latin typeface="Consolas" panose="020B0609020204030204" pitchFamily="49" charset="0"/>
+                <a:cs typeface="Consolas" panose="020B0609020204030204" pitchFamily="49" charset="0"/>
+              </a:rPr>
+              <a:t>else </a:t>
+            </a:r>
+          </a:p>
+          <a:p>
+            <a:pPr marL="457200" lvl="1" indent="0">
+              <a:buNone/>
+            </a:pPr>
+            <a:r>
+              <a:rPr lang="en-US" dirty="0">
+                <a:latin typeface="Consolas" panose="020B0609020204030204" pitchFamily="49" charset="0"/>
+                <a:cs typeface="Consolas" panose="020B0609020204030204" pitchFamily="49" charset="0"/>
+              </a:rPr>
+              <a:t>	do b</a:t>
+            </a:r>
+          </a:p>
+          <a:p>
+            <a:pPr marL="457200" lvl="1" indent="0">
+              <a:buNone/>
+            </a:pPr>
+            <a:endParaRPr lang="en-US" dirty="0">
+              <a:latin typeface="Consolas" panose="020B0609020204030204" pitchFamily="49" charset="0"/>
+              <a:cs typeface="Consolas" panose="020B0609020204030204" pitchFamily="49" charset="0"/>
+            </a:endParaRPr>
+          </a:p>
+        </p:txBody>
+      </p:sp>
+    </p:spTree>
+    <p:extLst>
+      <p:ext uri="{BB962C8B-B14F-4D97-AF65-F5344CB8AC3E}">
+        <p14:creationId xmlns:p14="http://schemas.microsoft.com/office/powerpoint/2010/main" val="1638637216"/>
+      </p:ext>
+    </p:extLst>
+  </p:cSld>
+  <p:clrMapOvr>
+    <a:masterClrMapping/>
+  </p:clrMapOvr>
+</p:sld>
+</file>
+
+<file path=ppt/slides/slide6.xml><?xml version="1.0" encoding="utf-8"?>
+<p:sld xmlns:a="http://schemas.openxmlformats.org/drawingml/2006/main" xmlns:r="http://schemas.openxmlformats.org/officeDocument/2006/relationships" xmlns:p="http://schemas.openxmlformats.org/presentationml/2006/main">
+  <p:cSld>
+    <p:spTree>
+      <p:nvGrpSpPr>
+        <p:cNvPr id="1" name=""/>
+        <p:cNvGrpSpPr/>
+        <p:nvPr/>
+      </p:nvGrpSpPr>
+      <p:grpSpPr>
+        <a:xfrm>
+          <a:off x="0" y="0"/>
+          <a:ext cx="0" cy="0"/>
+          <a:chOff x="0" y="0"/>
+          <a:chExt cx="0" cy="0"/>
+        </a:xfrm>
+      </p:grpSpPr>
+      <p:sp>
+        <p:nvSpPr>
+          <p:cNvPr id="2" name="Title 1">
+            <a:extLst>
+              <a:ext uri="{FF2B5EF4-FFF2-40B4-BE49-F238E27FC236}">
+                <a16:creationId xmlns:a16="http://schemas.microsoft.com/office/drawing/2014/main" id="{4C20EC83-DD2C-C44C-BB64-D6524F9BB73B}"/>
+              </a:ext>
+            </a:extLst>
+          </p:cNvPr>
+          <p:cNvSpPr>
+            <a:spLocks noGrp="1"/>
+          </p:cNvSpPr>
+          <p:nvPr>
+            <p:ph type="title"/>
+          </p:nvPr>
+        </p:nvSpPr>
+        <p:spPr/>
+        <p:txBody>
+          <a:bodyPr/>
+          <a:lstStyle/>
+          <a:p>
+            <a:r>
+              <a:rPr lang="en-US" dirty="0"/>
+              <a:t>Conditions</a:t>
+            </a:r>
+          </a:p>
+        </p:txBody>
+      </p:sp>
+      <p:sp>
+        <p:nvSpPr>
+          <p:cNvPr id="3" name="Content Placeholder 2">
+            <a:extLst>
+              <a:ext uri="{FF2B5EF4-FFF2-40B4-BE49-F238E27FC236}">
+                <a16:creationId xmlns:a16="http://schemas.microsoft.com/office/drawing/2014/main" id="{6F20427C-3F4A-2947-8210-1A042881C79A}"/>
+              </a:ext>
+            </a:extLst>
+          </p:cNvPr>
+          <p:cNvSpPr>
+            <a:spLocks noGrp="1"/>
+          </p:cNvSpPr>
+          <p:nvPr>
+            <p:ph idx="1"/>
+          </p:nvPr>
+        </p:nvSpPr>
+        <p:spPr/>
+        <p:txBody>
+          <a:bodyPr>
+            <a:normAutofit fontScale="92500" lnSpcReduction="20000"/>
+          </a:bodyPr>
+          <a:lstStyle/>
+          <a:p>
+            <a:r>
+              <a:rPr lang="en-US" dirty="0"/>
+              <a:t>Let’s break this down and go over some edge cases</a:t>
+            </a:r>
+          </a:p>
+          <a:p>
+            <a:pPr marL="0" indent="0">
+              <a:buNone/>
+            </a:pPr>
+            <a:r>
+              <a:rPr lang="en-US" dirty="0">
+                <a:latin typeface="Consolas" panose="020B0609020204030204" pitchFamily="49" charset="0"/>
+                <a:cs typeface="Consolas" panose="020B0609020204030204" pitchFamily="49" charset="0"/>
+              </a:rPr>
+              <a:t>&gt;&gt;&gt; if y &lt; 100: </a:t>
+            </a:r>
+          </a:p>
+          <a:p>
+            <a:pPr marL="0" indent="0">
+              <a:buNone/>
+            </a:pPr>
+            <a:r>
+              <a:rPr lang="en-US" dirty="0">
+                <a:latin typeface="Consolas" panose="020B0609020204030204" pitchFamily="49" charset="0"/>
+                <a:cs typeface="Consolas" panose="020B0609020204030204" pitchFamily="49" charset="0"/>
+              </a:rPr>
+              <a:t>		do a </a:t>
+            </a:r>
+          </a:p>
+          <a:p>
+            <a:pPr marL="0" indent="0">
+              <a:buNone/>
+            </a:pPr>
+            <a:r>
+              <a:rPr lang="en-US" dirty="0">
+                <a:latin typeface="Consolas" panose="020B0609020204030204" pitchFamily="49" charset="0"/>
+                <a:cs typeface="Consolas" panose="020B0609020204030204" pitchFamily="49" charset="0"/>
+              </a:rPr>
+              <a:t>    else: </a:t>
+            </a:r>
+          </a:p>
+          <a:p>
+            <a:pPr marL="0" indent="0">
+              <a:buNone/>
+            </a:pPr>
+            <a:r>
+              <a:rPr lang="en-US" dirty="0">
+                <a:latin typeface="Consolas" panose="020B0609020204030204" pitchFamily="49" charset="0"/>
+                <a:cs typeface="Consolas" panose="020B0609020204030204" pitchFamily="49" charset="0"/>
+              </a:rPr>
+              <a:t>		do b</a:t>
+            </a:r>
+            <a:endParaRPr lang="en-US" dirty="0"/>
+          </a:p>
+          <a:p>
+            <a:r>
+              <a:rPr lang="en-US" dirty="0"/>
+              <a:t>Structure</a:t>
+            </a:r>
+          </a:p>
+          <a:p>
+            <a:pPr lvl="1"/>
+            <a:r>
+              <a:rPr lang="en-US" dirty="0"/>
+              <a:t>The statement being evaluated follows “if” and ends with a “:”</a:t>
+            </a:r>
+          </a:p>
+          <a:p>
+            <a:pPr lvl="1"/>
+            <a:r>
+              <a:rPr lang="en-US" dirty="0"/>
+              <a:t>The task below is run if the “if” statement is true</a:t>
+            </a:r>
+          </a:p>
+          <a:p>
+            <a:pPr lvl="1"/>
+            <a:r>
+              <a:rPr lang="en-US" dirty="0"/>
+              <a:t>The syntax of how to do this will differ language to language</a:t>
+            </a:r>
+          </a:p>
+          <a:p>
+            <a:pPr lvl="1"/>
+            <a:r>
+              <a:rPr lang="en-US" dirty="0"/>
+              <a:t>“else” covers all leftover options – this can be left out, or you can follow the ”else” with “pass”</a:t>
+            </a:r>
+          </a:p>
+          <a:p>
+            <a:pPr marL="914400" lvl="2" indent="0">
+              <a:buNone/>
+            </a:pPr>
+            <a:r>
+              <a:rPr lang="en-US" dirty="0"/>
+              <a:t>else:</a:t>
+            </a:r>
+          </a:p>
+          <a:p>
+            <a:pPr marL="914400" lvl="2" indent="0">
+              <a:buNone/>
+            </a:pPr>
+            <a:r>
+              <a:rPr lang="en-US" dirty="0"/>
+              <a:t>	pass</a:t>
+            </a:r>
+          </a:p>
+          <a:p>
+            <a:endParaRPr lang="en-US" dirty="0"/>
+          </a:p>
+        </p:txBody>
+      </p:sp>
+    </p:spTree>
+    <p:extLst>
+      <p:ext uri="{BB962C8B-B14F-4D97-AF65-F5344CB8AC3E}">
+        <p14:creationId xmlns:p14="http://schemas.microsoft.com/office/powerpoint/2010/main" val="1711985807"/>
+      </p:ext>
+    </p:extLst>
+  </p:cSld>
+  <p:clrMapOvr>
+    <a:masterClrMapping/>
+  </p:clrMapOvr>
+</p:sld>
+</file>
+
+<file path=ppt/slides/slide7.xml><?xml version="1.0" encoding="utf-8"?>
+<p:sld xmlns:a="http://schemas.openxmlformats.org/drawingml/2006/main" xmlns:r="http://schemas.openxmlformats.org/officeDocument/2006/relationships" xmlns:p="http://schemas.openxmlformats.org/presentationml/2006/main">
+  <p:cSld>
+    <p:spTree>
+      <p:nvGrpSpPr>
+        <p:cNvPr id="1" name=""/>
+        <p:cNvGrpSpPr/>
+        <p:nvPr/>
+      </p:nvGrpSpPr>
+      <p:grpSpPr>
+        <a:xfrm>
+          <a:off x="0" y="0"/>
+          <a:ext cx="0" cy="0"/>
+          <a:chOff x="0" y="0"/>
+          <a:chExt cx="0" cy="0"/>
+        </a:xfrm>
+      </p:grpSpPr>
+      <p:sp>
+        <p:nvSpPr>
+          <p:cNvPr id="2" name="Title 1">
+            <a:extLst>
+              <a:ext uri="{FF2B5EF4-FFF2-40B4-BE49-F238E27FC236}">
+                <a16:creationId xmlns:a16="http://schemas.microsoft.com/office/drawing/2014/main" id="{169FDDAC-C171-044C-9CE1-36CFC968E4F6}"/>
+              </a:ext>
+            </a:extLst>
+          </p:cNvPr>
+          <p:cNvSpPr>
+            <a:spLocks noGrp="1"/>
+          </p:cNvSpPr>
+          <p:nvPr>
+            <p:ph type="title"/>
+          </p:nvPr>
+        </p:nvSpPr>
+        <p:spPr/>
+        <p:txBody>
+          <a:bodyPr/>
+          <a:lstStyle/>
+          <a:p>
+            <a:r>
+              <a:rPr lang="en-US" dirty="0"/>
+              <a:t>Operators</a:t>
+            </a:r>
+          </a:p>
+        </p:txBody>
+      </p:sp>
+      <p:sp>
+        <p:nvSpPr>
+          <p:cNvPr id="3" name="Content Placeholder 2">
+            <a:extLst>
+              <a:ext uri="{FF2B5EF4-FFF2-40B4-BE49-F238E27FC236}">
+                <a16:creationId xmlns:a16="http://schemas.microsoft.com/office/drawing/2014/main" id="{B595531A-E109-9C4A-816A-FA6B90E1DE5B}"/>
+              </a:ext>
+            </a:extLst>
+          </p:cNvPr>
+          <p:cNvSpPr>
+            <a:spLocks noGrp="1"/>
+          </p:cNvSpPr>
+          <p:nvPr>
+            <p:ph idx="1"/>
+          </p:nvPr>
+        </p:nvSpPr>
+        <p:spPr/>
+        <p:txBody>
+          <a:bodyPr/>
+          <a:lstStyle/>
+          <a:p>
+            <a:r>
+              <a:rPr lang="en-US" dirty="0"/>
+              <a:t>&gt;: greater than </a:t>
+            </a:r>
+          </a:p>
+          <a:p>
+            <a:r>
+              <a:rPr lang="en-US" dirty="0"/>
+              <a:t>&lt;: less than </a:t>
+            </a:r>
+          </a:p>
+          <a:p>
+            <a:r>
+              <a:rPr lang="en-US" dirty="0"/>
+              <a:t>&gt;=: greater than or equal to </a:t>
+            </a:r>
+          </a:p>
+          <a:p>
+            <a:r>
+              <a:rPr lang="en-US" dirty="0"/>
+              <a:t>&lt;=: less than or equal to </a:t>
+            </a:r>
+          </a:p>
+          <a:p>
+            <a:r>
+              <a:rPr lang="en-US" dirty="0"/>
+              <a:t>==: equal to </a:t>
+            </a:r>
+          </a:p>
+          <a:p>
+            <a:r>
+              <a:rPr lang="en-US" dirty="0"/>
+              <a:t>!=: not equal to </a:t>
+            </a:r>
+          </a:p>
+          <a:p>
+            <a:r>
+              <a:rPr lang="en-US" dirty="0"/>
+              <a:t>&amp;: and (in Python, you can just use “and”)</a:t>
+            </a:r>
+          </a:p>
+          <a:p>
+            <a:r>
+              <a:rPr lang="en-US" dirty="0"/>
+              <a:t>|: or (in Python, you can just use “or”)</a:t>
+            </a:r>
+          </a:p>
+        </p:txBody>
+      </p:sp>
+      <p:sp>
+        <p:nvSpPr>
+          <p:cNvPr id="4" name="Rectangle 3">
+            <a:extLst>
+              <a:ext uri="{FF2B5EF4-FFF2-40B4-BE49-F238E27FC236}">
+                <a16:creationId xmlns:a16="http://schemas.microsoft.com/office/drawing/2014/main" id="{A32EBBD9-8F7B-8A4E-AFBA-76AC1B51D5B9}"/>
+              </a:ext>
+            </a:extLst>
+          </p:cNvPr>
+          <p:cNvSpPr/>
+          <p:nvPr/>
+        </p:nvSpPr>
+        <p:spPr>
+          <a:xfrm>
+            <a:off x="6377331" y="6488668"/>
+            <a:ext cx="5814669" cy="369332"/>
+          </a:xfrm>
+          <a:prstGeom prst="rect">
+            <a:avLst/>
+          </a:prstGeom>
+        </p:spPr>
+        <p:txBody>
+          <a:bodyPr wrap="none">
+            <a:spAutoFit/>
+          </a:bodyPr>
+          <a:lstStyle/>
+          <a:p>
+            <a:r>
+              <a:rPr lang="en-US" dirty="0">
+                <a:hlinkClick r:id="rId2"/>
+              </a:rPr>
+              <a:t>https://www.statmethods.net/management/operators.html</a:t>
+            </a:r>
+            <a:endParaRPr lang="en-US" dirty="0"/>
+          </a:p>
+        </p:txBody>
+      </p:sp>
+    </p:spTree>
+    <p:extLst>
+      <p:ext uri="{BB962C8B-B14F-4D97-AF65-F5344CB8AC3E}">
+        <p14:creationId xmlns:p14="http://schemas.microsoft.com/office/powerpoint/2010/main" val="3785151010"/>
+      </p:ext>
+    </p:extLst>
+  </p:cSld>
+  <p:clrMapOvr>
+    <a:masterClrMapping/>
+  </p:clrMapOvr>
+</p:sld>
+</file>
+
+<file path=ppt/slides/slide8.xml><?xml version="1.0" encoding="utf-8"?>
+<p:sld xmlns:a="http://schemas.openxmlformats.org/drawingml/2006/main" xmlns:r="http://schemas.openxmlformats.org/officeDocument/2006/relationships" xmlns:p="http://schemas.openxmlformats.org/presentationml/2006/main">
+  <p:cSld>
+    <p:spTree>
+      <p:nvGrpSpPr>
+        <p:cNvPr id="1" name=""/>
+        <p:cNvGrpSpPr/>
+        <p:nvPr/>
+      </p:nvGrpSpPr>
+      <p:grpSpPr>
+        <a:xfrm>
+          <a:off x="0" y="0"/>
+          <a:ext cx="0" cy="0"/>
+          <a:chOff x="0" y="0"/>
+          <a:chExt cx="0" cy="0"/>
+        </a:xfrm>
+      </p:grpSpPr>
+      <p:sp>
+        <p:nvSpPr>
+          <p:cNvPr id="2" name="Title 1">
+            <a:extLst>
+              <a:ext uri="{FF2B5EF4-FFF2-40B4-BE49-F238E27FC236}">
+                <a16:creationId xmlns:a16="http://schemas.microsoft.com/office/drawing/2014/main" id="{76513586-AB2E-AF47-859F-193EF49BEB02}"/>
+              </a:ext>
+            </a:extLst>
+          </p:cNvPr>
+          <p:cNvSpPr>
+            <a:spLocks noGrp="1"/>
+          </p:cNvSpPr>
+          <p:nvPr>
+            <p:ph type="title"/>
+          </p:nvPr>
+        </p:nvSpPr>
+        <p:spPr/>
+        <p:txBody>
+          <a:bodyPr/>
+          <a:lstStyle/>
+          <a:p>
+            <a:endParaRPr lang="en-US" dirty="0"/>
+          </a:p>
+        </p:txBody>
+      </p:sp>
+      <p:sp>
+        <p:nvSpPr>
+          <p:cNvPr id="3" name="Content Placeholder 2">
+            <a:extLst>
+              <a:ext uri="{FF2B5EF4-FFF2-40B4-BE49-F238E27FC236}">
+                <a16:creationId xmlns:a16="http://schemas.microsoft.com/office/drawing/2014/main" id="{0826D3D8-41A8-E04D-88C7-1E4760DFB371}"/>
+              </a:ext>
+            </a:extLst>
+          </p:cNvPr>
+          <p:cNvSpPr>
+            <a:spLocks noGrp="1"/>
+          </p:cNvSpPr>
+          <p:nvPr>
+            <p:ph idx="1"/>
+          </p:nvPr>
+        </p:nvSpPr>
+        <p:spPr/>
+        <p:txBody>
+          <a:bodyPr/>
+          <a:lstStyle/>
+          <a:p>
+            <a:r>
+              <a:rPr lang="en-US" dirty="0"/>
+              <a:t>What if there are several options you want to encode?</a:t>
+            </a:r>
+          </a:p>
+          <a:p>
+            <a:pPr marL="0" indent="0">
+              <a:buNone/>
+            </a:pPr>
+            <a:r>
+              <a:rPr lang="en-US" dirty="0">
+                <a:latin typeface="Consolas" panose="020B0609020204030204" pitchFamily="49" charset="0"/>
+                <a:cs typeface="Consolas" panose="020B0609020204030204" pitchFamily="49" charset="0"/>
+              </a:rPr>
+              <a:t>&gt; </a:t>
+            </a:r>
+            <a:r>
+              <a:rPr lang="en-US" sz="2400" dirty="0">
+                <a:latin typeface="Consolas" panose="020B0609020204030204" pitchFamily="49" charset="0"/>
+                <a:cs typeface="Consolas" panose="020B0609020204030204" pitchFamily="49" charset="0"/>
+              </a:rPr>
+              <a:t>if y &lt; 100:</a:t>
+            </a:r>
+          </a:p>
+          <a:p>
+            <a:pPr marL="457200" lvl="1" indent="0">
+              <a:buNone/>
+            </a:pPr>
+            <a:r>
+              <a:rPr lang="en-US" dirty="0">
+                <a:latin typeface="Consolas" panose="020B0609020204030204" pitchFamily="49" charset="0"/>
+                <a:cs typeface="Consolas" panose="020B0609020204030204" pitchFamily="49" charset="0"/>
+              </a:rPr>
+              <a:t>	do this</a:t>
+            </a:r>
+          </a:p>
+          <a:p>
+            <a:pPr marL="457200" lvl="1" indent="0">
+              <a:buNone/>
+            </a:pPr>
+            <a:r>
+              <a:rPr lang="en-US" dirty="0" err="1">
+                <a:latin typeface="Consolas" panose="020B0609020204030204" pitchFamily="49" charset="0"/>
+                <a:cs typeface="Consolas" panose="020B0609020204030204" pitchFamily="49" charset="0"/>
+              </a:rPr>
+              <a:t>elif</a:t>
+            </a:r>
+            <a:r>
+              <a:rPr lang="en-US" dirty="0">
+                <a:latin typeface="Consolas" panose="020B0609020204030204" pitchFamily="49" charset="0"/>
+                <a:cs typeface="Consolas" panose="020B0609020204030204" pitchFamily="49" charset="0"/>
+              </a:rPr>
+              <a:t> y &gt; 100 and y &lt;= 200:</a:t>
+            </a:r>
+          </a:p>
+          <a:p>
+            <a:pPr marL="457200" lvl="1" indent="0">
+              <a:buNone/>
+            </a:pPr>
+            <a:r>
+              <a:rPr lang="en-US" dirty="0">
+                <a:latin typeface="Consolas" panose="020B0609020204030204" pitchFamily="49" charset="0"/>
+                <a:cs typeface="Consolas" panose="020B0609020204030204" pitchFamily="49" charset="0"/>
+              </a:rPr>
+              <a:t>	do this</a:t>
+            </a:r>
+          </a:p>
+          <a:p>
+            <a:pPr marL="457200" lvl="1" indent="0">
+              <a:buNone/>
+            </a:pPr>
+            <a:r>
+              <a:rPr lang="en-US" dirty="0" err="1">
+                <a:latin typeface="Consolas" panose="020B0609020204030204" pitchFamily="49" charset="0"/>
+                <a:cs typeface="Consolas" panose="020B0609020204030204" pitchFamily="49" charset="0"/>
+              </a:rPr>
+              <a:t>elif</a:t>
+            </a:r>
+            <a:r>
+              <a:rPr lang="en-US" dirty="0">
+                <a:latin typeface="Consolas" panose="020B0609020204030204" pitchFamily="49" charset="0"/>
+                <a:cs typeface="Consolas" panose="020B0609020204030204" pitchFamily="49" charset="0"/>
+              </a:rPr>
+              <a:t> y &gt; 200 and y &lt;= 300:</a:t>
+            </a:r>
+          </a:p>
+          <a:p>
+            <a:pPr marL="457200" lvl="1" indent="0">
+              <a:buNone/>
+            </a:pPr>
+            <a:r>
+              <a:rPr lang="en-US" dirty="0">
+                <a:latin typeface="Consolas" panose="020B0609020204030204" pitchFamily="49" charset="0"/>
+                <a:cs typeface="Consolas" panose="020B0609020204030204" pitchFamily="49" charset="0"/>
+              </a:rPr>
+              <a:t>	do this</a:t>
+            </a:r>
+          </a:p>
+          <a:p>
+            <a:pPr marL="457200" lvl="1" indent="0">
+              <a:buNone/>
+            </a:pPr>
+            <a:r>
+              <a:rPr lang="en-US" dirty="0">
+                <a:latin typeface="Consolas" panose="020B0609020204030204" pitchFamily="49" charset="0"/>
+                <a:cs typeface="Consolas" panose="020B0609020204030204" pitchFamily="49" charset="0"/>
+              </a:rPr>
+              <a:t>else:</a:t>
+            </a:r>
+          </a:p>
+          <a:p>
+            <a:pPr marL="457200" lvl="1" indent="0">
+              <a:buNone/>
+            </a:pPr>
+            <a:r>
+              <a:rPr lang="en-US" dirty="0">
+                <a:latin typeface="Consolas" panose="020B0609020204030204" pitchFamily="49" charset="0"/>
+                <a:cs typeface="Consolas" panose="020B0609020204030204" pitchFamily="49" charset="0"/>
+              </a:rPr>
+              <a:t>	pass</a:t>
+            </a:r>
+          </a:p>
+          <a:p>
+            <a:pPr marL="0" indent="0">
+              <a:buNone/>
+            </a:pPr>
+            <a:endParaRPr lang="en-US" dirty="0"/>
+          </a:p>
+        </p:txBody>
+      </p:sp>
+    </p:spTree>
+    <p:extLst>
+      <p:ext uri="{BB962C8B-B14F-4D97-AF65-F5344CB8AC3E}">
+        <p14:creationId xmlns:p14="http://schemas.microsoft.com/office/powerpoint/2010/main" val="1848088744"/>
+      </p:ext>
+    </p:extLst>
+  </p:cSld>
+  <p:clrMapOvr>
+    <a:masterClrMapping/>
+  </p:clrMapOvr>
+</p:sld>
+</file>
+
+<file path=ppt/slides/slide9.xml><?xml version="1.0" encoding="utf-8"?>
+<p:sld xmlns:a="http://schemas.openxmlformats.org/drawingml/2006/main" xmlns:r="http://schemas.openxmlformats.org/officeDocument/2006/relationships" xmlns:p="http://schemas.openxmlformats.org/presentationml/2006/main">
+  <p:cSld>
+    <p:spTree>
+      <p:nvGrpSpPr>
+        <p:cNvPr id="1" name=""/>
+        <p:cNvGrpSpPr/>
+        <p:nvPr/>
+      </p:nvGrpSpPr>
+      <p:grpSpPr>
+        <a:xfrm>
+          <a:off x="0" y="0"/>
+          <a:ext cx="0" cy="0"/>
+          <a:chOff x="0" y="0"/>
+          <a:chExt cx="0" cy="0"/>
+        </a:xfrm>
+      </p:grpSpPr>
+      <p:sp>
+        <p:nvSpPr>
+          <p:cNvPr id="2" name="Title 1">
+            <a:extLst>
+              <a:ext uri="{FF2B5EF4-FFF2-40B4-BE49-F238E27FC236}">
+                <a16:creationId xmlns:a16="http://schemas.microsoft.com/office/drawing/2014/main" id="{2AF76D12-D12F-D84F-8817-2DC5179D1331}"/>
+              </a:ext>
+            </a:extLst>
+          </p:cNvPr>
+          <p:cNvSpPr>
+            <a:spLocks noGrp="1"/>
+          </p:cNvSpPr>
+          <p:nvPr>
+            <p:ph type="title"/>
+          </p:nvPr>
+        </p:nvSpPr>
+        <p:spPr/>
+        <p:txBody>
+          <a:bodyPr/>
+          <a:lstStyle/>
+          <a:p>
+            <a:r>
+              <a:rPr lang="en-US" dirty="0"/>
+              <a:t>For loops</a:t>
+            </a:r>
+          </a:p>
+        </p:txBody>
+      </p:sp>
+      <p:sp>
+        <p:nvSpPr>
+          <p:cNvPr id="3" name="Content Placeholder 2">
+            <a:extLst>
+              <a:ext uri="{FF2B5EF4-FFF2-40B4-BE49-F238E27FC236}">
+                <a16:creationId xmlns:a16="http://schemas.microsoft.com/office/drawing/2014/main" id="{9B514734-D5A8-BD46-A0BF-15C0F1FB1F3F}"/>
+              </a:ext>
+            </a:extLst>
+          </p:cNvPr>
+          <p:cNvSpPr>
+            <a:spLocks noGrp="1"/>
+          </p:cNvSpPr>
+          <p:nvPr>
+            <p:ph idx="1"/>
+          </p:nvPr>
+        </p:nvSpPr>
+        <p:spPr/>
+        <p:txBody>
+          <a:bodyPr>
+            <a:normAutofit fontScale="85000" lnSpcReduction="20000"/>
+          </a:bodyPr>
+          <a:lstStyle/>
+          <a:p>
+            <a:r>
+              <a:rPr lang="en-US" dirty="0"/>
+              <a:t>Used to repeat a task for a defined list of values</a:t>
+            </a:r>
+          </a:p>
+          <a:p>
+            <a:pPr marL="0" indent="0">
+              <a:buNone/>
+            </a:pPr>
+            <a:r>
+              <a:rPr lang="en-US" dirty="0">
+                <a:latin typeface="Consolas" panose="020B0609020204030204" pitchFamily="49" charset="0"/>
+                <a:cs typeface="Consolas" panose="020B0609020204030204" pitchFamily="49" charset="0"/>
+              </a:rPr>
+              <a:t>&gt;&gt;&gt; A = [“Hello”, “world”, “!”]</a:t>
+            </a:r>
+          </a:p>
+          <a:p>
+            <a:pPr marL="0" indent="0">
+              <a:buNone/>
+            </a:pPr>
+            <a:r>
+              <a:rPr lang="en-US" dirty="0">
+                <a:latin typeface="Consolas" panose="020B0609020204030204" pitchFamily="49" charset="0"/>
+                <a:cs typeface="Consolas" panose="020B0609020204030204" pitchFamily="49" charset="0"/>
+              </a:rPr>
+              <a:t>&gt;&gt;&gt; for x in A: </a:t>
+            </a:r>
+          </a:p>
+          <a:p>
+            <a:pPr marL="0" indent="0">
+              <a:buNone/>
+            </a:pPr>
+            <a:r>
+              <a:rPr lang="en-US" dirty="0">
+                <a:latin typeface="Consolas" panose="020B0609020204030204" pitchFamily="49" charset="0"/>
+                <a:cs typeface="Consolas" panose="020B0609020204030204" pitchFamily="49" charset="0"/>
+              </a:rPr>
+              <a:t>	print(x)</a:t>
+            </a:r>
+          </a:p>
+          <a:p>
+            <a:pPr marL="0" indent="0">
+              <a:buNone/>
+            </a:pPr>
+            <a:endParaRPr lang="en-US" dirty="0">
+              <a:latin typeface="Consolas" panose="020B0609020204030204" pitchFamily="49" charset="0"/>
+              <a:cs typeface="Consolas" panose="020B0609020204030204" pitchFamily="49" charset="0"/>
+            </a:endParaRPr>
+          </a:p>
+          <a:p>
+            <a:r>
+              <a:rPr lang="en-US" dirty="0">
+                <a:cs typeface="Consolas" panose="020B0609020204030204" pitchFamily="49" charset="0"/>
+              </a:rPr>
+              <a:t>This can be combined with conditions</a:t>
+            </a:r>
+          </a:p>
+          <a:p>
+            <a:pPr marL="0" indent="0">
+              <a:buNone/>
+            </a:pPr>
+            <a:r>
+              <a:rPr lang="en-US" dirty="0">
+                <a:latin typeface="Consolas" panose="020B0609020204030204" pitchFamily="49" charset="0"/>
+                <a:cs typeface="Consolas" panose="020B0609020204030204" pitchFamily="49" charset="0"/>
+              </a:rPr>
+              <a:t>&gt;&gt;&gt; for x in A:</a:t>
+            </a:r>
+          </a:p>
+          <a:p>
+            <a:pPr marL="0" indent="0">
+              <a:buNone/>
+            </a:pPr>
+            <a:r>
+              <a:rPr lang="en-US" dirty="0">
+                <a:latin typeface="Consolas" panose="020B0609020204030204" pitchFamily="49" charset="0"/>
+                <a:cs typeface="Consolas" panose="020B0609020204030204" pitchFamily="49" charset="0"/>
+              </a:rPr>
+              <a:t>	if </a:t>
+            </a:r>
+            <a:r>
+              <a:rPr lang="en-US" dirty="0" err="1">
+                <a:latin typeface="Consolas" panose="020B0609020204030204" pitchFamily="49" charset="0"/>
+                <a:cs typeface="Consolas" panose="020B0609020204030204" pitchFamily="49" charset="0"/>
+              </a:rPr>
+              <a:t>len</a:t>
+            </a:r>
+            <a:r>
+              <a:rPr lang="en-US" dirty="0">
+                <a:latin typeface="Consolas" panose="020B0609020204030204" pitchFamily="49" charset="0"/>
+                <a:cs typeface="Consolas" panose="020B0609020204030204" pitchFamily="49" charset="0"/>
+              </a:rPr>
+              <a:t>(x) &gt; 2:</a:t>
+            </a:r>
+          </a:p>
+          <a:p>
+            <a:pPr marL="0" indent="0">
+              <a:buNone/>
+            </a:pPr>
+            <a:r>
+              <a:rPr lang="en-US" dirty="0">
+                <a:latin typeface="Consolas" panose="020B0609020204030204" pitchFamily="49" charset="0"/>
+                <a:cs typeface="Consolas" panose="020B0609020204030204" pitchFamily="49" charset="0"/>
+              </a:rPr>
+              <a:t>		print(x)</a:t>
+            </a:r>
+          </a:p>
+          <a:p>
+            <a:endParaRPr lang="en-US" dirty="0">
+              <a:latin typeface="Consolas" panose="020B0609020204030204" pitchFamily="49" charset="0"/>
+              <a:cs typeface="Consolas" panose="020B0609020204030204" pitchFamily="49" charset="0"/>
+            </a:endParaRPr>
+          </a:p>
+          <a:p>
+            <a:r>
+              <a:rPr lang="en-US" dirty="0">
+                <a:latin typeface="Consolas" panose="020B0609020204030204" pitchFamily="49" charset="0"/>
+                <a:cs typeface="Consolas" panose="020B0609020204030204" pitchFamily="49" charset="0"/>
+              </a:rPr>
+              <a:t>Thought exercise: What will this print out?</a:t>
+            </a:r>
+          </a:p>
+        </p:txBody>
+      </p:sp>
+    </p:spTree>
+    <p:extLst>
+      <p:ext uri="{BB962C8B-B14F-4D97-AF65-F5344CB8AC3E}">
+        <p14:creationId xmlns:p14="http://schemas.microsoft.com/office/powerpoint/2010/main" val="84316626"/>
       </p:ext>
     </p:extLst>
   </p:cSld>
